--- a/chapter_3/chapter_3.pptx
+++ b/chapter_3/chapter_3.pptx
@@ -7,8 +7,10 @@
   <p:sldIdLst>
     <p:sldId id="256" r:id="rId2"/>
     <p:sldId id="259" r:id="rId3"/>
-    <p:sldId id="258" r:id="rId4"/>
-    <p:sldId id="257" r:id="rId5"/>
+    <p:sldId id="260" r:id="rId4"/>
+    <p:sldId id="261" r:id="rId5"/>
+    <p:sldId id="258" r:id="rId6"/>
+    <p:sldId id="257" r:id="rId7"/>
   </p:sldIdLst>
   <p:sldSz cx="12192000" cy="6858000"/>
   <p:notesSz cx="6858000" cy="9144000"/>
@@ -107,6 +109,11 @@
       </a:defRPr>
     </a:lvl9pPr>
   </p:defaultTextStyle>
+  <p:extLst>
+    <p:ext uri="{EFAFB233-063F-42B5-8137-9DF3F51BA10A}">
+      <p15:sldGuideLst xmlns:p15="http://schemas.microsoft.com/office/powerpoint/2012/main"/>
+    </p:ext>
+  </p:extLst>
 </p:presentation>
 </file>
 
@@ -167,7 +174,7 @@
           <a:noFill/>
           <a:extLst>
             <a:ext uri="{909E8E84-426E-40dd-AFC4-6F175D3DCCD1}">
-              <a14:hiddenFill xmlns:a14="http://schemas.microsoft.com/office/drawing/2010/main" xmlns="">
+              <a14:hiddenFill xmlns="" xmlns:a14="http://schemas.microsoft.com/office/drawing/2010/main">
                 <a:solidFill>
                   <a:srgbClr val="FFFFFF"/>
                 </a:solidFill>
@@ -227,7 +234,7 @@
             </a:ln>
             <a:extLst>
               <a:ext uri="{91240B29-F687-4f45-9708-019B960494DF}">
-                <a14:hiddenLine xmlns:a14="http://schemas.microsoft.com/office/drawing/2010/main" xmlns="" w="9525">
+                <a14:hiddenLine xmlns="" xmlns:a14="http://schemas.microsoft.com/office/drawing/2010/main" w="9525">
                   <a:solidFill>
                     <a:srgbClr val="000000"/>
                   </a:solidFill>
@@ -317,7 +324,7 @@
             </a:ln>
             <a:extLst>
               <a:ext uri="{91240B29-F687-4f45-9708-019B960494DF}">
-                <a14:hiddenLine xmlns:a14="http://schemas.microsoft.com/office/drawing/2010/main" xmlns="" w="9525">
+                <a14:hiddenLine xmlns="" xmlns:a14="http://schemas.microsoft.com/office/drawing/2010/main" w="9525">
                   <a:solidFill>
                     <a:srgbClr val="000000"/>
                   </a:solidFill>
@@ -407,7 +414,7 @@
             </a:ln>
             <a:extLst>
               <a:ext uri="{91240B29-F687-4f45-9708-019B960494DF}">
-                <a14:hiddenLine xmlns:a14="http://schemas.microsoft.com/office/drawing/2010/main" xmlns="" w="9525">
+                <a14:hiddenLine xmlns="" xmlns:a14="http://schemas.microsoft.com/office/drawing/2010/main" w="9525">
                   <a:solidFill>
                     <a:srgbClr val="000000"/>
                   </a:solidFill>
@@ -441,7 +448,7 @@
             </a:ln>
             <a:extLst>
               <a:ext uri="{91240B29-F687-4f45-9708-019B960494DF}">
-                <a14:hiddenLine xmlns:a14="http://schemas.microsoft.com/office/drawing/2010/main" xmlns="" w="9525">
+                <a14:hiddenLine xmlns="" xmlns:a14="http://schemas.microsoft.com/office/drawing/2010/main" w="9525">
                   <a:solidFill>
                     <a:srgbClr val="000000"/>
                   </a:solidFill>
@@ -531,7 +538,7 @@
             </a:ln>
             <a:extLst>
               <a:ext uri="{91240B29-F687-4f45-9708-019B960494DF}">
-                <a14:hiddenLine xmlns:a14="http://schemas.microsoft.com/office/drawing/2010/main" xmlns="" w="9525">
+                <a14:hiddenLine xmlns="" xmlns:a14="http://schemas.microsoft.com/office/drawing/2010/main" w="9525">
                   <a:solidFill>
                     <a:srgbClr val="000000"/>
                   </a:solidFill>
@@ -593,7 +600,7 @@
             </a:ln>
             <a:extLst>
               <a:ext uri="{91240B29-F687-4f45-9708-019B960494DF}">
-                <a14:hiddenLine xmlns:a14="http://schemas.microsoft.com/office/drawing/2010/main" xmlns="" w="9525">
+                <a14:hiddenLine xmlns="" xmlns:a14="http://schemas.microsoft.com/office/drawing/2010/main" w="9525">
                   <a:solidFill>
                     <a:srgbClr val="000000"/>
                   </a:solidFill>
@@ -655,7 +662,7 @@
             </a:ln>
             <a:extLst>
               <a:ext uri="{91240B29-F687-4f45-9708-019B960494DF}">
-                <a14:hiddenLine xmlns:a14="http://schemas.microsoft.com/office/drawing/2010/main" xmlns="" w="9525">
+                <a14:hiddenLine xmlns="" xmlns:a14="http://schemas.microsoft.com/office/drawing/2010/main" w="9525">
                   <a:solidFill>
                     <a:srgbClr val="000000"/>
                   </a:solidFill>
@@ -745,7 +752,7 @@
             </a:ln>
             <a:extLst>
               <a:ext uri="{91240B29-F687-4f45-9708-019B960494DF}">
-                <a14:hiddenLine xmlns:a14="http://schemas.microsoft.com/office/drawing/2010/main" xmlns="" w="9525">
+                <a14:hiddenLine xmlns="" xmlns:a14="http://schemas.microsoft.com/office/drawing/2010/main" w="9525">
                   <a:solidFill>
                     <a:srgbClr val="000000"/>
                   </a:solidFill>
@@ -807,7 +814,7 @@
             </a:ln>
             <a:extLst>
               <a:ext uri="{91240B29-F687-4f45-9708-019B960494DF}">
-                <a14:hiddenLine xmlns:a14="http://schemas.microsoft.com/office/drawing/2010/main" xmlns="" w="9525">
+                <a14:hiddenLine xmlns="" xmlns:a14="http://schemas.microsoft.com/office/drawing/2010/main" w="9525">
                   <a:solidFill>
                     <a:srgbClr val="000000"/>
                   </a:solidFill>
@@ -869,7 +876,7 @@
             </a:ln>
             <a:extLst>
               <a:ext uri="{91240B29-F687-4f45-9708-019B960494DF}">
-                <a14:hiddenLine xmlns:a14="http://schemas.microsoft.com/office/drawing/2010/main" xmlns="" w="9525">
+                <a14:hiddenLine xmlns="" xmlns:a14="http://schemas.microsoft.com/office/drawing/2010/main" w="9525">
                   <a:solidFill>
                     <a:srgbClr val="000000"/>
                   </a:solidFill>
@@ -959,7 +966,7 @@
             </a:ln>
             <a:extLst>
               <a:ext uri="{91240B29-F687-4f45-9708-019B960494DF}">
-                <a14:hiddenLine xmlns:a14="http://schemas.microsoft.com/office/drawing/2010/main" xmlns="" w="9525">
+                <a14:hiddenLine xmlns="" xmlns:a14="http://schemas.microsoft.com/office/drawing/2010/main" w="9525">
                   <a:solidFill>
                     <a:srgbClr val="000000"/>
                   </a:solidFill>
@@ -1049,7 +1056,7 @@
             </a:ln>
             <a:extLst>
               <a:ext uri="{91240B29-F687-4f45-9708-019B960494DF}">
-                <a14:hiddenLine xmlns:a14="http://schemas.microsoft.com/office/drawing/2010/main" xmlns="" w="9525">
+                <a14:hiddenLine xmlns="" xmlns:a14="http://schemas.microsoft.com/office/drawing/2010/main" w="9525">
                   <a:solidFill>
                     <a:srgbClr val="000000"/>
                   </a:solidFill>
@@ -1111,7 +1118,7 @@
             </a:ln>
             <a:extLst>
               <a:ext uri="{91240B29-F687-4f45-9708-019B960494DF}">
-                <a14:hiddenLine xmlns:a14="http://schemas.microsoft.com/office/drawing/2010/main" xmlns="" w="9525">
+                <a14:hiddenLine xmlns="" xmlns:a14="http://schemas.microsoft.com/office/drawing/2010/main" w="9525">
                   <a:solidFill>
                     <a:srgbClr val="000000"/>
                   </a:solidFill>
@@ -1221,7 +1228,7 @@
             </a:ln>
             <a:extLst>
               <a:ext uri="{91240B29-F687-4f45-9708-019B960494DF}">
-                <a14:hiddenLine xmlns:a14="http://schemas.microsoft.com/office/drawing/2010/main" xmlns="" w="9525">
+                <a14:hiddenLine xmlns="" xmlns:a14="http://schemas.microsoft.com/office/drawing/2010/main" w="9525">
                   <a:solidFill>
                     <a:srgbClr val="000000"/>
                   </a:solidFill>
@@ -1283,7 +1290,7 @@
             </a:ln>
             <a:extLst>
               <a:ext uri="{91240B29-F687-4f45-9708-019B960494DF}">
-                <a14:hiddenLine xmlns:a14="http://schemas.microsoft.com/office/drawing/2010/main" xmlns="" w="9525">
+                <a14:hiddenLine xmlns="" xmlns:a14="http://schemas.microsoft.com/office/drawing/2010/main" w="9525">
                   <a:solidFill>
                     <a:srgbClr val="000000"/>
                   </a:solidFill>
@@ -1373,7 +1380,7 @@
             </a:ln>
             <a:extLst>
               <a:ext uri="{91240B29-F687-4f45-9708-019B960494DF}">
-                <a14:hiddenLine xmlns:a14="http://schemas.microsoft.com/office/drawing/2010/main" xmlns="" w="9525">
+                <a14:hiddenLine xmlns="" xmlns:a14="http://schemas.microsoft.com/office/drawing/2010/main" w="9525">
                   <a:solidFill>
                     <a:srgbClr val="000000"/>
                   </a:solidFill>
@@ -1463,7 +1470,7 @@
             </a:ln>
             <a:extLst>
               <a:ext uri="{91240B29-F687-4f45-9708-019B960494DF}">
-                <a14:hiddenLine xmlns:a14="http://schemas.microsoft.com/office/drawing/2010/main" xmlns="" w="9525">
+                <a14:hiddenLine xmlns="" xmlns:a14="http://schemas.microsoft.com/office/drawing/2010/main" w="9525">
                   <a:solidFill>
                     <a:srgbClr val="000000"/>
                   </a:solidFill>
@@ -1525,7 +1532,7 @@
             </a:ln>
             <a:extLst>
               <a:ext uri="{91240B29-F687-4f45-9708-019B960494DF}">
-                <a14:hiddenLine xmlns:a14="http://schemas.microsoft.com/office/drawing/2010/main" xmlns="" w="9525">
+                <a14:hiddenLine xmlns="" xmlns:a14="http://schemas.microsoft.com/office/drawing/2010/main" w="9525">
                   <a:solidFill>
                     <a:srgbClr val="000000"/>
                   </a:solidFill>
@@ -1615,7 +1622,7 @@
             </a:ln>
             <a:extLst>
               <a:ext uri="{91240B29-F687-4f45-9708-019B960494DF}">
-                <a14:hiddenLine xmlns:a14="http://schemas.microsoft.com/office/drawing/2010/main" xmlns="" w="9525">
+                <a14:hiddenLine xmlns="" xmlns:a14="http://schemas.microsoft.com/office/drawing/2010/main" w="9525">
                   <a:solidFill>
                     <a:srgbClr val="000000"/>
                   </a:solidFill>
@@ -1705,7 +1712,7 @@
             </a:ln>
             <a:extLst>
               <a:ext uri="{91240B29-F687-4f45-9708-019B960494DF}">
-                <a14:hiddenLine xmlns:a14="http://schemas.microsoft.com/office/drawing/2010/main" xmlns="" w="9525">
+                <a14:hiddenLine xmlns="" xmlns:a14="http://schemas.microsoft.com/office/drawing/2010/main" w="9525">
                   <a:solidFill>
                     <a:srgbClr val="000000"/>
                   </a:solidFill>
@@ -1761,7 +1768,7 @@
             </a:ln>
             <a:extLst>
               <a:ext uri="{91240B29-F687-4f45-9708-019B960494DF}">
-                <a14:hiddenLine xmlns:a14="http://schemas.microsoft.com/office/drawing/2010/main" xmlns="" w="9525">
+                <a14:hiddenLine xmlns="" xmlns:a14="http://schemas.microsoft.com/office/drawing/2010/main" w="9525">
                   <a:solidFill>
                     <a:srgbClr val="000000"/>
                   </a:solidFill>
@@ -1851,7 +1858,7 @@
             </a:ln>
             <a:extLst>
               <a:ext uri="{91240B29-F687-4f45-9708-019B960494DF}">
-                <a14:hiddenLine xmlns:a14="http://schemas.microsoft.com/office/drawing/2010/main" xmlns="" w="9525">
+                <a14:hiddenLine xmlns="" xmlns:a14="http://schemas.microsoft.com/office/drawing/2010/main" w="9525">
                   <a:solidFill>
                     <a:srgbClr val="000000"/>
                   </a:solidFill>
@@ -1907,7 +1914,7 @@
             </a:ln>
             <a:extLst>
               <a:ext uri="{91240B29-F687-4f45-9708-019B960494DF}">
-                <a14:hiddenLine xmlns:a14="http://schemas.microsoft.com/office/drawing/2010/main" xmlns="" w="9525">
+                <a14:hiddenLine xmlns="" xmlns:a14="http://schemas.microsoft.com/office/drawing/2010/main" w="9525">
                   <a:solidFill>
                     <a:srgbClr val="000000"/>
                   </a:solidFill>
@@ -1997,7 +2004,7 @@
             </a:ln>
             <a:extLst>
               <a:ext uri="{91240B29-F687-4f45-9708-019B960494DF}">
-                <a14:hiddenLine xmlns:a14="http://schemas.microsoft.com/office/drawing/2010/main" xmlns="" w="9525">
+                <a14:hiddenLine xmlns="" xmlns:a14="http://schemas.microsoft.com/office/drawing/2010/main" w="9525">
                   <a:solidFill>
                     <a:srgbClr val="000000"/>
                   </a:solidFill>
@@ -2065,7 +2072,7 @@
             </a:ln>
             <a:extLst>
               <a:ext uri="{91240B29-F687-4f45-9708-019B960494DF}">
-                <a14:hiddenLine xmlns:a14="http://schemas.microsoft.com/office/drawing/2010/main" xmlns="" w="9525">
+                <a14:hiddenLine xmlns="" xmlns:a14="http://schemas.microsoft.com/office/drawing/2010/main" w="9525">
                   <a:solidFill>
                     <a:srgbClr val="000000"/>
                   </a:solidFill>
@@ -2155,7 +2162,7 @@
             </a:ln>
             <a:extLst>
               <a:ext uri="{91240B29-F687-4f45-9708-019B960494DF}">
-                <a14:hiddenLine xmlns:a14="http://schemas.microsoft.com/office/drawing/2010/main" xmlns="" w="9525">
+                <a14:hiddenLine xmlns="" xmlns:a14="http://schemas.microsoft.com/office/drawing/2010/main" w="9525">
                   <a:solidFill>
                     <a:srgbClr val="000000"/>
                   </a:solidFill>
@@ -2223,7 +2230,7 @@
             </a:ln>
             <a:extLst>
               <a:ext uri="{91240B29-F687-4f45-9708-019B960494DF}">
-                <a14:hiddenLine xmlns:a14="http://schemas.microsoft.com/office/drawing/2010/main" xmlns="" w="9525">
+                <a14:hiddenLine xmlns="" xmlns:a14="http://schemas.microsoft.com/office/drawing/2010/main" w="9525">
                   <a:solidFill>
                     <a:srgbClr val="000000"/>
                   </a:solidFill>
@@ -2313,7 +2320,7 @@
             </a:ln>
             <a:extLst>
               <a:ext uri="{91240B29-F687-4f45-9708-019B960494DF}">
-                <a14:hiddenLine xmlns:a14="http://schemas.microsoft.com/office/drawing/2010/main" xmlns="" w="9525">
+                <a14:hiddenLine xmlns="" xmlns:a14="http://schemas.microsoft.com/office/drawing/2010/main" w="9525">
                   <a:solidFill>
                     <a:srgbClr val="000000"/>
                   </a:solidFill>
@@ -2347,7 +2354,7 @@
             </a:ln>
             <a:extLst>
               <a:ext uri="{91240B29-F687-4f45-9708-019B960494DF}">
-                <a14:hiddenLine xmlns:a14="http://schemas.microsoft.com/office/drawing/2010/main" xmlns="" w="9525">
+                <a14:hiddenLine xmlns="" xmlns:a14="http://schemas.microsoft.com/office/drawing/2010/main" w="9525">
                   <a:solidFill>
                     <a:srgbClr val="000000"/>
                   </a:solidFill>
@@ -2437,7 +2444,7 @@
             </a:ln>
             <a:extLst>
               <a:ext uri="{91240B29-F687-4f45-9708-019B960494DF}">
-                <a14:hiddenLine xmlns:a14="http://schemas.microsoft.com/office/drawing/2010/main" xmlns="" w="9525">
+                <a14:hiddenLine xmlns="" xmlns:a14="http://schemas.microsoft.com/office/drawing/2010/main" w="9525">
                   <a:solidFill>
                     <a:srgbClr val="000000"/>
                   </a:solidFill>
@@ -2499,7 +2506,7 @@
             </a:ln>
             <a:extLst>
               <a:ext uri="{91240B29-F687-4f45-9708-019B960494DF}">
-                <a14:hiddenLine xmlns:a14="http://schemas.microsoft.com/office/drawing/2010/main" xmlns="" w="9525">
+                <a14:hiddenLine xmlns="" xmlns:a14="http://schemas.microsoft.com/office/drawing/2010/main" w="9525">
                   <a:solidFill>
                     <a:srgbClr val="000000"/>
                   </a:solidFill>
@@ -2561,7 +2568,7 @@
             </a:ln>
             <a:extLst>
               <a:ext uri="{91240B29-F687-4f45-9708-019B960494DF}">
-                <a14:hiddenLine xmlns:a14="http://schemas.microsoft.com/office/drawing/2010/main" xmlns="" w="9525">
+                <a14:hiddenLine xmlns="" xmlns:a14="http://schemas.microsoft.com/office/drawing/2010/main" w="9525">
                   <a:solidFill>
                     <a:srgbClr val="000000"/>
                   </a:solidFill>
@@ -2651,7 +2658,7 @@
             </a:ln>
             <a:extLst>
               <a:ext uri="{91240B29-F687-4f45-9708-019B960494DF}">
-                <a14:hiddenLine xmlns:a14="http://schemas.microsoft.com/office/drawing/2010/main" xmlns="" w="9525">
+                <a14:hiddenLine xmlns="" xmlns:a14="http://schemas.microsoft.com/office/drawing/2010/main" w="9525">
                   <a:solidFill>
                     <a:srgbClr val="000000"/>
                   </a:solidFill>
@@ -2719,7 +2726,7 @@
             </a:ln>
             <a:extLst>
               <a:ext uri="{91240B29-F687-4f45-9708-019B960494DF}">
-                <a14:hiddenLine xmlns:a14="http://schemas.microsoft.com/office/drawing/2010/main" xmlns="" w="9525">
+                <a14:hiddenLine xmlns="" xmlns:a14="http://schemas.microsoft.com/office/drawing/2010/main" w="9525">
                   <a:solidFill>
                     <a:srgbClr val="000000"/>
                   </a:solidFill>
@@ -2781,7 +2788,7 @@
             </a:ln>
             <a:extLst>
               <a:ext uri="{91240B29-F687-4f45-9708-019B960494DF}">
-                <a14:hiddenLine xmlns:a14="http://schemas.microsoft.com/office/drawing/2010/main" xmlns="" w="9525">
+                <a14:hiddenLine xmlns="" xmlns:a14="http://schemas.microsoft.com/office/drawing/2010/main" w="9525">
                   <a:solidFill>
                     <a:srgbClr val="000000"/>
                   </a:solidFill>
@@ -2871,7 +2878,7 @@
             </a:ln>
             <a:extLst>
               <a:ext uri="{91240B29-F687-4f45-9708-019B960494DF}">
-                <a14:hiddenLine xmlns:a14="http://schemas.microsoft.com/office/drawing/2010/main" xmlns="" w="9525">
+                <a14:hiddenLine xmlns="" xmlns:a14="http://schemas.microsoft.com/office/drawing/2010/main" w="9525">
                   <a:solidFill>
                     <a:srgbClr val="000000"/>
                   </a:solidFill>
@@ -2933,7 +2940,7 @@
             </a:ln>
             <a:extLst>
               <a:ext uri="{91240B29-F687-4f45-9708-019B960494DF}">
-                <a14:hiddenLine xmlns:a14="http://schemas.microsoft.com/office/drawing/2010/main" xmlns="" w="9525">
+                <a14:hiddenLine xmlns="" xmlns:a14="http://schemas.microsoft.com/office/drawing/2010/main" w="9525">
                   <a:solidFill>
                     <a:srgbClr val="000000"/>
                   </a:solidFill>
@@ -3023,7 +3030,7 @@
             </a:ln>
             <a:extLst>
               <a:ext uri="{91240B29-F687-4f45-9708-019B960494DF}">
-                <a14:hiddenLine xmlns:a14="http://schemas.microsoft.com/office/drawing/2010/main" xmlns="" w="9525">
+                <a14:hiddenLine xmlns="" xmlns:a14="http://schemas.microsoft.com/office/drawing/2010/main" w="9525">
                   <a:solidFill>
                     <a:srgbClr val="000000"/>
                   </a:solidFill>
@@ -3085,7 +3092,7 @@
             </a:ln>
             <a:extLst>
               <a:ext uri="{91240B29-F687-4f45-9708-019B960494DF}">
-                <a14:hiddenLine xmlns:a14="http://schemas.microsoft.com/office/drawing/2010/main" xmlns="" w="9525">
+                <a14:hiddenLine xmlns="" xmlns:a14="http://schemas.microsoft.com/office/drawing/2010/main" w="9525">
                   <a:solidFill>
                     <a:srgbClr val="000000"/>
                   </a:solidFill>
@@ -3175,7 +3182,7 @@
             </a:ln>
             <a:extLst>
               <a:ext uri="{91240B29-F687-4f45-9708-019B960494DF}">
-                <a14:hiddenLine xmlns:a14="http://schemas.microsoft.com/office/drawing/2010/main" xmlns="" w="9525">
+                <a14:hiddenLine xmlns="" xmlns:a14="http://schemas.microsoft.com/office/drawing/2010/main" w="9525">
                   <a:solidFill>
                     <a:srgbClr val="000000"/>
                   </a:solidFill>
@@ -3209,7 +3216,7 @@
             </a:ln>
             <a:extLst>
               <a:ext uri="{91240B29-F687-4f45-9708-019B960494DF}">
-                <a14:hiddenLine xmlns:a14="http://schemas.microsoft.com/office/drawing/2010/main" xmlns="" w="9525">
+                <a14:hiddenLine xmlns="" xmlns:a14="http://schemas.microsoft.com/office/drawing/2010/main" w="9525">
                   <a:solidFill>
                     <a:srgbClr val="000000"/>
                   </a:solidFill>
@@ -3274,7 +3281,7 @@
             </a:ln>
             <a:extLst>
               <a:ext uri="{91240B29-F687-4f45-9708-019B960494DF}">
-                <a14:hiddenLine xmlns:a14="http://schemas.microsoft.com/office/drawing/2010/main" xmlns="" w="9525">
+                <a14:hiddenLine xmlns="" xmlns:a14="http://schemas.microsoft.com/office/drawing/2010/main" w="9525">
                   <a:solidFill>
                     <a:srgbClr val="000000"/>
                   </a:solidFill>
@@ -3364,7 +3371,7 @@
             </a:ln>
             <a:extLst>
               <a:ext uri="{91240B29-F687-4f45-9708-019B960494DF}">
-                <a14:hiddenLine xmlns:a14="http://schemas.microsoft.com/office/drawing/2010/main" xmlns="" w="9525">
+                <a14:hiddenLine xmlns="" xmlns:a14="http://schemas.microsoft.com/office/drawing/2010/main" w="9525">
                   <a:solidFill>
                     <a:srgbClr val="000000"/>
                   </a:solidFill>
@@ -3426,7 +3433,7 @@
             </a:ln>
             <a:extLst>
               <a:ext uri="{91240B29-F687-4f45-9708-019B960494DF}">
-                <a14:hiddenLine xmlns:a14="http://schemas.microsoft.com/office/drawing/2010/main" xmlns="" w="9525">
+                <a14:hiddenLine xmlns="" xmlns:a14="http://schemas.microsoft.com/office/drawing/2010/main" w="9525">
                   <a:solidFill>
                     <a:srgbClr val="000000"/>
                   </a:solidFill>
@@ -3516,7 +3523,7 @@
             </a:ln>
             <a:extLst>
               <a:ext uri="{91240B29-F687-4f45-9708-019B960494DF}">
-                <a14:hiddenLine xmlns:a14="http://schemas.microsoft.com/office/drawing/2010/main" xmlns="" w="9525">
+                <a14:hiddenLine xmlns="" xmlns:a14="http://schemas.microsoft.com/office/drawing/2010/main" w="9525">
                   <a:solidFill>
                     <a:srgbClr val="000000"/>
                   </a:solidFill>
@@ -3606,7 +3613,7 @@
             </a:ln>
             <a:extLst>
               <a:ext uri="{91240B29-F687-4f45-9708-019B960494DF}">
-                <a14:hiddenLine xmlns:a14="http://schemas.microsoft.com/office/drawing/2010/main" xmlns="" w="9525">
+                <a14:hiddenLine xmlns="" xmlns:a14="http://schemas.microsoft.com/office/drawing/2010/main" w="9525">
                   <a:solidFill>
                     <a:srgbClr val="000000"/>
                   </a:solidFill>
@@ -3671,7 +3678,7 @@
             </a:ln>
             <a:extLst>
               <a:ext uri="{91240B29-F687-4f45-9708-019B960494DF}">
-                <a14:hiddenLine xmlns:a14="http://schemas.microsoft.com/office/drawing/2010/main" xmlns="" w="9525">
+                <a14:hiddenLine xmlns="" xmlns:a14="http://schemas.microsoft.com/office/drawing/2010/main" w="9525">
                   <a:solidFill>
                     <a:srgbClr val="000000"/>
                   </a:solidFill>
@@ -3733,7 +3740,7 @@
             </a:ln>
             <a:extLst>
               <a:ext uri="{91240B29-F687-4f45-9708-019B960494DF}">
-                <a14:hiddenLine xmlns:a14="http://schemas.microsoft.com/office/drawing/2010/main" xmlns="" w="9525">
+                <a14:hiddenLine xmlns="" xmlns:a14="http://schemas.microsoft.com/office/drawing/2010/main" w="9525">
                   <a:solidFill>
                     <a:srgbClr val="000000"/>
                   </a:solidFill>
@@ -3823,7 +3830,7 @@
             </a:ln>
             <a:extLst>
               <a:ext uri="{91240B29-F687-4f45-9708-019B960494DF}">
-                <a14:hiddenLine xmlns:a14="http://schemas.microsoft.com/office/drawing/2010/main" xmlns="" w="9525">
+                <a14:hiddenLine xmlns="" xmlns:a14="http://schemas.microsoft.com/office/drawing/2010/main" w="9525">
                   <a:solidFill>
                     <a:srgbClr val="000000"/>
                   </a:solidFill>
@@ -3913,7 +3920,7 @@
             </a:ln>
             <a:extLst>
               <a:ext uri="{91240B29-F687-4f45-9708-019B960494DF}">
-                <a14:hiddenLine xmlns:a14="http://schemas.microsoft.com/office/drawing/2010/main" xmlns="" w="9525">
+                <a14:hiddenLine xmlns="" xmlns:a14="http://schemas.microsoft.com/office/drawing/2010/main" w="9525">
                   <a:solidFill>
                     <a:srgbClr val="000000"/>
                   </a:solidFill>
@@ -3975,7 +3982,7 @@
             </a:ln>
             <a:extLst>
               <a:ext uri="{91240B29-F687-4f45-9708-019B960494DF}">
-                <a14:hiddenLine xmlns:a14="http://schemas.microsoft.com/office/drawing/2010/main" xmlns="" w="9525">
+                <a14:hiddenLine xmlns="" xmlns:a14="http://schemas.microsoft.com/office/drawing/2010/main" w="9525">
                   <a:solidFill>
                     <a:srgbClr val="000000"/>
                   </a:solidFill>
@@ -4095,7 +4102,7 @@
             </a:ln>
             <a:extLst>
               <a:ext uri="{91240B29-F687-4f45-9708-019B960494DF}">
-                <a14:hiddenLine xmlns:a14="http://schemas.microsoft.com/office/drawing/2010/main" xmlns="" w="9525">
+                <a14:hiddenLine xmlns="" xmlns:a14="http://schemas.microsoft.com/office/drawing/2010/main" w="9525">
                   <a:solidFill>
                     <a:srgbClr val="000000"/>
                   </a:solidFill>
@@ -4163,7 +4170,7 @@
             </a:ln>
             <a:extLst>
               <a:ext uri="{91240B29-F687-4f45-9708-019B960494DF}">
-                <a14:hiddenLine xmlns:a14="http://schemas.microsoft.com/office/drawing/2010/main" xmlns="" w="9525">
+                <a14:hiddenLine xmlns="" xmlns:a14="http://schemas.microsoft.com/office/drawing/2010/main" w="9525">
                   <a:solidFill>
                     <a:srgbClr val="000000"/>
                   </a:solidFill>
@@ -4253,7 +4260,7 @@
             </a:ln>
             <a:extLst>
               <a:ext uri="{91240B29-F687-4f45-9708-019B960494DF}">
-                <a14:hiddenLine xmlns:a14="http://schemas.microsoft.com/office/drawing/2010/main" xmlns="" w="9525">
+                <a14:hiddenLine xmlns="" xmlns:a14="http://schemas.microsoft.com/office/drawing/2010/main" w="9525">
                   <a:solidFill>
                     <a:srgbClr val="000000"/>
                   </a:solidFill>
@@ -4393,7 +4400,7 @@
           <a:p>
             <a:fld id="{48A87A34-81AB-432B-8DAE-1953F412C126}" type="datetimeFigureOut">
               <a:rPr lang="en-US" dirty="0"/>
-              <a:t>9/7/2019</a:t>
+              <a:t>9/10/2019</a:t>
             </a:fld>
             <a:endParaRPr lang="en-US" dirty="0"/>
           </a:p>
@@ -4655,7 +4662,7 @@
           <a:p>
             <a:fld id="{48A87A34-81AB-432B-8DAE-1953F412C126}" type="datetimeFigureOut">
               <a:rPr lang="en-US" dirty="0"/>
-              <a:t>9/7/2019</a:t>
+              <a:t>9/10/2019</a:t>
             </a:fld>
             <a:endParaRPr lang="en-US" dirty="0"/>
           </a:p>
@@ -4846,7 +4853,7 @@
           <a:p>
             <a:fld id="{48A87A34-81AB-432B-8DAE-1953F412C126}" type="datetimeFigureOut">
               <a:rPr lang="en-US" dirty="0"/>
-              <a:t>9/7/2019</a:t>
+              <a:t>9/10/2019</a:t>
             </a:fld>
             <a:endParaRPr lang="en-US" dirty="0"/>
           </a:p>
@@ -5104,7 +5111,7 @@
           <a:p>
             <a:fld id="{48A87A34-81AB-432B-8DAE-1953F412C126}" type="datetimeFigureOut">
               <a:rPr lang="en-US" dirty="0"/>
-              <a:t>9/7/2019</a:t>
+              <a:t>9/10/2019</a:t>
             </a:fld>
             <a:endParaRPr lang="en-US" dirty="0"/>
           </a:p>
@@ -5533,7 +5540,7 @@
           <a:p>
             <a:fld id="{48A87A34-81AB-432B-8DAE-1953F412C126}" type="datetimeFigureOut">
               <a:rPr lang="en-US" dirty="0"/>
-              <a:t>9/7/2019</a:t>
+              <a:t>9/10/2019</a:t>
             </a:fld>
             <a:endParaRPr lang="en-US" dirty="0"/>
           </a:p>
@@ -6074,7 +6081,7 @@
           <a:p>
             <a:fld id="{48A87A34-81AB-432B-8DAE-1953F412C126}" type="datetimeFigureOut">
               <a:rPr lang="en-US" dirty="0"/>
-              <a:t>9/7/2019</a:t>
+              <a:t>9/10/2019</a:t>
             </a:fld>
             <a:endParaRPr lang="en-US" dirty="0"/>
           </a:p>
@@ -6789,7 +6796,7 @@
           <a:p>
             <a:fld id="{48A87A34-81AB-432B-8DAE-1953F412C126}" type="datetimeFigureOut">
               <a:rPr lang="en-US" dirty="0"/>
-              <a:t>9/7/2019</a:t>
+              <a:t>9/10/2019</a:t>
             </a:fld>
             <a:endParaRPr lang="en-US" dirty="0"/>
           </a:p>
@@ -6954,7 +6961,7 @@
           <a:p>
             <a:fld id="{48A87A34-81AB-432B-8DAE-1953F412C126}" type="datetimeFigureOut">
               <a:rPr lang="en-US" dirty="0"/>
-              <a:t>9/7/2019</a:t>
+              <a:t>9/10/2019</a:t>
             </a:fld>
             <a:endParaRPr lang="en-US" dirty="0"/>
           </a:p>
@@ -7129,7 +7136,7 @@
           <a:p>
             <a:fld id="{48A87A34-81AB-432B-8DAE-1953F412C126}" type="datetimeFigureOut">
               <a:rPr lang="en-US" dirty="0"/>
-              <a:t>9/7/2019</a:t>
+              <a:t>9/10/2019</a:t>
             </a:fld>
             <a:endParaRPr lang="en-US" dirty="0"/>
           </a:p>
@@ -7294,7 +7301,7 @@
           <a:p>
             <a:fld id="{48A87A34-81AB-432B-8DAE-1953F412C126}" type="datetimeFigureOut">
               <a:rPr lang="en-US" dirty="0"/>
-              <a:t>9/7/2019</a:t>
+              <a:t>9/10/2019</a:t>
             </a:fld>
             <a:endParaRPr lang="en-US" dirty="0"/>
           </a:p>
@@ -7539,7 +7546,7 @@
           <a:p>
             <a:fld id="{48A87A34-81AB-432B-8DAE-1953F412C126}" type="datetimeFigureOut">
               <a:rPr lang="en-US" dirty="0"/>
-              <a:t>9/7/2019</a:t>
+              <a:t>9/10/2019</a:t>
             </a:fld>
             <a:endParaRPr lang="en-US" dirty="0"/>
           </a:p>
@@ -7766,7 +7773,7 @@
           <a:p>
             <a:fld id="{48A87A34-81AB-432B-8DAE-1953F412C126}" type="datetimeFigureOut">
               <a:rPr lang="en-US" dirty="0"/>
-              <a:t>9/7/2019</a:t>
+              <a:t>9/10/2019</a:t>
             </a:fld>
             <a:endParaRPr lang="en-US" dirty="0"/>
           </a:p>
@@ -8142,7 +8149,7 @@
           <a:p>
             <a:fld id="{48A87A34-81AB-432B-8DAE-1953F412C126}" type="datetimeFigureOut">
               <a:rPr lang="en-US" dirty="0"/>
-              <a:t>9/7/2019</a:t>
+              <a:t>9/10/2019</a:t>
             </a:fld>
             <a:endParaRPr lang="en-US" dirty="0"/>
           </a:p>
@@ -8255,7 +8262,7 @@
           <a:p>
             <a:fld id="{48A87A34-81AB-432B-8DAE-1953F412C126}" type="datetimeFigureOut">
               <a:rPr lang="en-US" dirty="0"/>
-              <a:t>9/7/2019</a:t>
+              <a:t>9/10/2019</a:t>
             </a:fld>
             <a:endParaRPr lang="en-US" dirty="0"/>
           </a:p>
@@ -8345,7 +8352,7 @@
           <a:p>
             <a:fld id="{48A87A34-81AB-432B-8DAE-1953F412C126}" type="datetimeFigureOut">
               <a:rPr lang="en-US" dirty="0"/>
-              <a:t>9/7/2019</a:t>
+              <a:t>9/10/2019</a:t>
             </a:fld>
             <a:endParaRPr lang="en-US" dirty="0"/>
           </a:p>
@@ -8589,7 +8596,7 @@
           <a:p>
             <a:fld id="{48A87A34-81AB-432B-8DAE-1953F412C126}" type="datetimeFigureOut">
               <a:rPr lang="en-US" dirty="0"/>
-              <a:t>9/7/2019</a:t>
+              <a:t>9/10/2019</a:t>
             </a:fld>
             <a:endParaRPr lang="en-US" dirty="0"/>
           </a:p>
@@ -8864,7 +8871,7 @@
           <a:p>
             <a:fld id="{48A87A34-81AB-432B-8DAE-1953F412C126}" type="datetimeFigureOut">
               <a:rPr lang="en-US" dirty="0"/>
-              <a:t>9/7/2019</a:t>
+              <a:t>9/10/2019</a:t>
             </a:fld>
             <a:endParaRPr lang="en-US" dirty="0"/>
           </a:p>
@@ -8982,7 +8989,7 @@
           <a:noFill/>
           <a:extLst>
             <a:ext uri="{909E8E84-426E-40dd-AFC4-6F175D3DCCD1}">
-              <a14:hiddenFill xmlns:a14="http://schemas.microsoft.com/office/drawing/2010/main" xmlns="">
+              <a14:hiddenFill xmlns="" xmlns:a14="http://schemas.microsoft.com/office/drawing/2010/main">
                 <a:solidFill>
                   <a:srgbClr val="FFFFFF"/>
                 </a:solidFill>
@@ -9056,7 +9063,7 @@
               </a:ln>
               <a:extLst>
                 <a:ext uri="{91240B29-F687-4f45-9708-019B960494DF}">
-                  <a14:hiddenLine xmlns:a14="http://schemas.microsoft.com/office/drawing/2010/main" xmlns="" w="9525">
+                  <a14:hiddenLine xmlns="" xmlns:a14="http://schemas.microsoft.com/office/drawing/2010/main" w="9525">
                     <a:solidFill>
                       <a:srgbClr val="000000"/>
                     </a:solidFill>
@@ -9146,7 +9153,7 @@
               </a:ln>
               <a:extLst>
                 <a:ext uri="{91240B29-F687-4f45-9708-019B960494DF}">
-                  <a14:hiddenLine xmlns:a14="http://schemas.microsoft.com/office/drawing/2010/main" xmlns="" w="9525">
+                  <a14:hiddenLine xmlns="" xmlns:a14="http://schemas.microsoft.com/office/drawing/2010/main" w="9525">
                     <a:solidFill>
                       <a:srgbClr val="000000"/>
                     </a:solidFill>
@@ -9236,7 +9243,7 @@
               </a:ln>
               <a:extLst>
                 <a:ext uri="{91240B29-F687-4f45-9708-019B960494DF}">
-                  <a14:hiddenLine xmlns:a14="http://schemas.microsoft.com/office/drawing/2010/main" xmlns="" w="9525">
+                  <a14:hiddenLine xmlns="" xmlns:a14="http://schemas.microsoft.com/office/drawing/2010/main" w="9525">
                     <a:solidFill>
                       <a:srgbClr val="000000"/>
                     </a:solidFill>
@@ -9298,7 +9305,7 @@
               </a:ln>
               <a:extLst>
                 <a:ext uri="{91240B29-F687-4f45-9708-019B960494DF}">
-                  <a14:hiddenLine xmlns:a14="http://schemas.microsoft.com/office/drawing/2010/main" xmlns="" w="9525">
+                  <a14:hiddenLine xmlns="" xmlns:a14="http://schemas.microsoft.com/office/drawing/2010/main" w="9525">
                     <a:solidFill>
                       <a:srgbClr val="000000"/>
                     </a:solidFill>
@@ -9388,7 +9395,7 @@
               </a:ln>
               <a:extLst>
                 <a:ext uri="{91240B29-F687-4f45-9708-019B960494DF}">
-                  <a14:hiddenLine xmlns:a14="http://schemas.microsoft.com/office/drawing/2010/main" xmlns="" w="9525">
+                  <a14:hiddenLine xmlns="" xmlns:a14="http://schemas.microsoft.com/office/drawing/2010/main" w="9525">
                     <a:solidFill>
                       <a:srgbClr val="000000"/>
                     </a:solidFill>
@@ -9450,7 +9457,7 @@
               </a:ln>
               <a:extLst>
                 <a:ext uri="{91240B29-F687-4f45-9708-019B960494DF}">
-                  <a14:hiddenLine xmlns:a14="http://schemas.microsoft.com/office/drawing/2010/main" xmlns="" w="9525">
+                  <a14:hiddenLine xmlns="" xmlns:a14="http://schemas.microsoft.com/office/drawing/2010/main" w="9525">
                     <a:solidFill>
                       <a:srgbClr val="000000"/>
                     </a:solidFill>
@@ -9512,7 +9519,7 @@
               </a:ln>
               <a:extLst>
                 <a:ext uri="{91240B29-F687-4f45-9708-019B960494DF}">
-                  <a14:hiddenLine xmlns:a14="http://schemas.microsoft.com/office/drawing/2010/main" xmlns="" w="9525">
+                  <a14:hiddenLine xmlns="" xmlns:a14="http://schemas.microsoft.com/office/drawing/2010/main" w="9525">
                     <a:solidFill>
                       <a:srgbClr val="000000"/>
                     </a:solidFill>
@@ -9602,7 +9609,7 @@
               </a:ln>
               <a:extLst>
                 <a:ext uri="{91240B29-F687-4f45-9708-019B960494DF}">
-                  <a14:hiddenLine xmlns:a14="http://schemas.microsoft.com/office/drawing/2010/main" xmlns="" w="9525">
+                  <a14:hiddenLine xmlns="" xmlns:a14="http://schemas.microsoft.com/office/drawing/2010/main" w="9525">
                     <a:solidFill>
                       <a:srgbClr val="000000"/>
                     </a:solidFill>
@@ -9692,7 +9699,7 @@
               </a:ln>
               <a:extLst>
                 <a:ext uri="{91240B29-F687-4f45-9708-019B960494DF}">
-                  <a14:hiddenLine xmlns:a14="http://schemas.microsoft.com/office/drawing/2010/main" xmlns="" w="9525">
+                  <a14:hiddenLine xmlns="" xmlns:a14="http://schemas.microsoft.com/office/drawing/2010/main" w="9525">
                     <a:solidFill>
                       <a:srgbClr val="000000"/>
                     </a:solidFill>
@@ -9754,7 +9761,7 @@
               </a:ln>
               <a:extLst>
                 <a:ext uri="{91240B29-F687-4f45-9708-019B960494DF}">
-                  <a14:hiddenLine xmlns:a14="http://schemas.microsoft.com/office/drawing/2010/main" xmlns="" w="9525">
+                  <a14:hiddenLine xmlns="" xmlns:a14="http://schemas.microsoft.com/office/drawing/2010/main" w="9525">
                     <a:solidFill>
                       <a:srgbClr val="000000"/>
                     </a:solidFill>
@@ -9864,7 +9871,7 @@
               </a:ln>
               <a:extLst>
                 <a:ext uri="{91240B29-F687-4f45-9708-019B960494DF}">
-                  <a14:hiddenLine xmlns:a14="http://schemas.microsoft.com/office/drawing/2010/main" xmlns="" w="9525">
+                  <a14:hiddenLine xmlns="" xmlns:a14="http://schemas.microsoft.com/office/drawing/2010/main" w="9525">
                     <a:solidFill>
                       <a:srgbClr val="000000"/>
                     </a:solidFill>
@@ -9948,7 +9955,7 @@
               </a:ln>
               <a:extLst>
                 <a:ext uri="{91240B29-F687-4f45-9708-019B960494DF}">
-                  <a14:hiddenLine xmlns:a14="http://schemas.microsoft.com/office/drawing/2010/main" xmlns="" w="9525">
+                  <a14:hiddenLine xmlns="" xmlns:a14="http://schemas.microsoft.com/office/drawing/2010/main" w="9525">
                     <a:solidFill>
                       <a:srgbClr val="000000"/>
                     </a:solidFill>
@@ -10010,7 +10017,7 @@
               </a:ln>
               <a:extLst>
                 <a:ext uri="{91240B29-F687-4f45-9708-019B960494DF}">
-                  <a14:hiddenLine xmlns:a14="http://schemas.microsoft.com/office/drawing/2010/main" xmlns="" w="9525">
+                  <a14:hiddenLine xmlns="" xmlns:a14="http://schemas.microsoft.com/office/drawing/2010/main" w="9525">
                     <a:solidFill>
                       <a:srgbClr val="000000"/>
                     </a:solidFill>
@@ -10072,7 +10079,7 @@
               </a:ln>
               <a:extLst>
                 <a:ext uri="{91240B29-F687-4f45-9708-019B960494DF}">
-                  <a14:hiddenLine xmlns:a14="http://schemas.microsoft.com/office/drawing/2010/main" xmlns="" w="9525">
+                  <a14:hiddenLine xmlns="" xmlns:a14="http://schemas.microsoft.com/office/drawing/2010/main" w="9525">
                     <a:solidFill>
                       <a:srgbClr val="000000"/>
                     </a:solidFill>
@@ -10162,7 +10169,7 @@
               </a:ln>
               <a:extLst>
                 <a:ext uri="{91240B29-F687-4f45-9708-019B960494DF}">
-                  <a14:hiddenLine xmlns:a14="http://schemas.microsoft.com/office/drawing/2010/main" xmlns="" w="9525">
+                  <a14:hiddenLine xmlns="" xmlns:a14="http://schemas.microsoft.com/office/drawing/2010/main" w="9525">
                     <a:solidFill>
                       <a:srgbClr val="000000"/>
                     </a:solidFill>
@@ -10196,7 +10203,7 @@
               </a:ln>
               <a:extLst>
                 <a:ext uri="{91240B29-F687-4f45-9708-019B960494DF}">
-                  <a14:hiddenLine xmlns:a14="http://schemas.microsoft.com/office/drawing/2010/main" xmlns="" w="9525">
+                  <a14:hiddenLine xmlns="" xmlns:a14="http://schemas.microsoft.com/office/drawing/2010/main" w="9525">
                     <a:solidFill>
                       <a:srgbClr val="000000"/>
                     </a:solidFill>
@@ -10261,7 +10268,7 @@
               </a:ln>
               <a:extLst>
                 <a:ext uri="{91240B29-F687-4f45-9708-019B960494DF}">
-                  <a14:hiddenLine xmlns:a14="http://schemas.microsoft.com/office/drawing/2010/main" xmlns="" w="9525">
+                  <a14:hiddenLine xmlns="" xmlns:a14="http://schemas.microsoft.com/office/drawing/2010/main" w="9525">
                     <a:solidFill>
                       <a:srgbClr val="000000"/>
                     </a:solidFill>
@@ -10351,7 +10358,7 @@
               </a:ln>
               <a:extLst>
                 <a:ext uri="{91240B29-F687-4f45-9708-019B960494DF}">
-                  <a14:hiddenLine xmlns:a14="http://schemas.microsoft.com/office/drawing/2010/main" xmlns="" w="9525">
+                  <a14:hiddenLine xmlns="" xmlns:a14="http://schemas.microsoft.com/office/drawing/2010/main" w="9525">
                     <a:solidFill>
                       <a:srgbClr val="000000"/>
                     </a:solidFill>
@@ -10413,7 +10420,7 @@
               </a:ln>
               <a:extLst>
                 <a:ext uri="{91240B29-F687-4f45-9708-019B960494DF}">
-                  <a14:hiddenLine xmlns:a14="http://schemas.microsoft.com/office/drawing/2010/main" xmlns="" w="9525">
+                  <a14:hiddenLine xmlns="" xmlns:a14="http://schemas.microsoft.com/office/drawing/2010/main" w="9525">
                     <a:solidFill>
                       <a:srgbClr val="000000"/>
                     </a:solidFill>
@@ -10503,7 +10510,7 @@
               </a:ln>
               <a:extLst>
                 <a:ext uri="{91240B29-F687-4f45-9708-019B960494DF}">
-                  <a14:hiddenLine xmlns:a14="http://schemas.microsoft.com/office/drawing/2010/main" xmlns="" w="9525">
+                  <a14:hiddenLine xmlns="" xmlns:a14="http://schemas.microsoft.com/office/drawing/2010/main" w="9525">
                     <a:solidFill>
                       <a:srgbClr val="000000"/>
                     </a:solidFill>
@@ -10568,7 +10575,7 @@
               </a:ln>
               <a:extLst>
                 <a:ext uri="{91240B29-F687-4f45-9708-019B960494DF}">
-                  <a14:hiddenLine xmlns:a14="http://schemas.microsoft.com/office/drawing/2010/main" xmlns="" w="9525">
+                  <a14:hiddenLine xmlns="" xmlns:a14="http://schemas.microsoft.com/office/drawing/2010/main" w="9525">
                     <a:solidFill>
                       <a:srgbClr val="000000"/>
                     </a:solidFill>
@@ -10630,7 +10637,7 @@
               </a:ln>
               <a:extLst>
                 <a:ext uri="{91240B29-F687-4f45-9708-019B960494DF}">
-                  <a14:hiddenLine xmlns:a14="http://schemas.microsoft.com/office/drawing/2010/main" xmlns="" w="9525">
+                  <a14:hiddenLine xmlns="" xmlns:a14="http://schemas.microsoft.com/office/drawing/2010/main" w="9525">
                     <a:solidFill>
                       <a:srgbClr val="000000"/>
                     </a:solidFill>
@@ -10720,7 +10727,7 @@
               </a:ln>
               <a:extLst>
                 <a:ext uri="{91240B29-F687-4f45-9708-019B960494DF}">
-                  <a14:hiddenLine xmlns:a14="http://schemas.microsoft.com/office/drawing/2010/main" xmlns="" w="9525">
+                  <a14:hiddenLine xmlns="" xmlns:a14="http://schemas.microsoft.com/office/drawing/2010/main" w="9525">
                     <a:solidFill>
                       <a:srgbClr val="000000"/>
                     </a:solidFill>
@@ -10810,7 +10817,7 @@
               </a:ln>
               <a:extLst>
                 <a:ext uri="{91240B29-F687-4f45-9708-019B960494DF}">
-                  <a14:hiddenLine xmlns:a14="http://schemas.microsoft.com/office/drawing/2010/main" xmlns="" w="9525">
+                  <a14:hiddenLine xmlns="" xmlns:a14="http://schemas.microsoft.com/office/drawing/2010/main" w="9525">
                     <a:solidFill>
                       <a:srgbClr val="000000"/>
                     </a:solidFill>
@@ -10875,7 +10882,7 @@
               </a:ln>
               <a:extLst>
                 <a:ext uri="{91240B29-F687-4f45-9708-019B960494DF}">
-                  <a14:hiddenLine xmlns:a14="http://schemas.microsoft.com/office/drawing/2010/main" xmlns="" w="9525">
+                  <a14:hiddenLine xmlns="" xmlns:a14="http://schemas.microsoft.com/office/drawing/2010/main" w="9525">
                     <a:solidFill>
                       <a:srgbClr val="000000"/>
                     </a:solidFill>
@@ -10995,7 +11002,7 @@
               </a:ln>
               <a:extLst>
                 <a:ext uri="{91240B29-F687-4f45-9708-019B960494DF}">
-                  <a14:hiddenLine xmlns:a14="http://schemas.microsoft.com/office/drawing/2010/main" xmlns="" w="9525">
+                  <a14:hiddenLine xmlns="" xmlns:a14="http://schemas.microsoft.com/office/drawing/2010/main" w="9525">
                     <a:solidFill>
                       <a:srgbClr val="000000"/>
                     </a:solidFill>
@@ -11093,7 +11100,7 @@
               </a:ln>
               <a:extLst>
                 <a:ext uri="{91240B29-F687-4f45-9708-019B960494DF}">
-                  <a14:hiddenLine xmlns:a14="http://schemas.microsoft.com/office/drawing/2010/main" xmlns="" w="9525">
+                  <a14:hiddenLine xmlns="" xmlns:a14="http://schemas.microsoft.com/office/drawing/2010/main" w="9525">
                     <a:solidFill>
                       <a:srgbClr val="000000"/>
                     </a:solidFill>
@@ -11208,7 +11215,7 @@
               </a:ln>
               <a:extLst>
                 <a:ext uri="{91240B29-F687-4f45-9708-019B960494DF}">
-                  <a14:hiddenLine xmlns:a14="http://schemas.microsoft.com/office/drawing/2010/main" xmlns="" w="9525">
+                  <a14:hiddenLine xmlns="" xmlns:a14="http://schemas.microsoft.com/office/drawing/2010/main" w="9525">
                     <a:solidFill>
                       <a:srgbClr val="000000"/>
                     </a:solidFill>
@@ -11298,7 +11305,7 @@
               </a:ln>
               <a:extLst>
                 <a:ext uri="{91240B29-F687-4f45-9708-019B960494DF}">
-                  <a14:hiddenLine xmlns:a14="http://schemas.microsoft.com/office/drawing/2010/main" xmlns="" w="9525">
+                  <a14:hiddenLine xmlns="" xmlns:a14="http://schemas.microsoft.com/office/drawing/2010/main" w="9525">
                     <a:solidFill>
                       <a:srgbClr val="000000"/>
                     </a:solidFill>
@@ -11363,7 +11370,7 @@
               </a:ln>
               <a:extLst>
                 <a:ext uri="{91240B29-F687-4f45-9708-019B960494DF}">
-                  <a14:hiddenLine xmlns:a14="http://schemas.microsoft.com/office/drawing/2010/main" xmlns="" w="9525">
+                  <a14:hiddenLine xmlns="" xmlns:a14="http://schemas.microsoft.com/office/drawing/2010/main" w="9525">
                     <a:solidFill>
                       <a:srgbClr val="000000"/>
                     </a:solidFill>
@@ -11453,7 +11460,7 @@
               </a:ln>
               <a:extLst>
                 <a:ext uri="{91240B29-F687-4f45-9708-019B960494DF}">
-                  <a14:hiddenLine xmlns:a14="http://schemas.microsoft.com/office/drawing/2010/main" xmlns="" w="9525">
+                  <a14:hiddenLine xmlns="" xmlns:a14="http://schemas.microsoft.com/office/drawing/2010/main" w="9525">
                     <a:solidFill>
                       <a:srgbClr val="000000"/>
                     </a:solidFill>
@@ -11521,7 +11528,7 @@
               </a:ln>
               <a:extLst>
                 <a:ext uri="{91240B29-F687-4f45-9708-019B960494DF}">
-                  <a14:hiddenLine xmlns:a14="http://schemas.microsoft.com/office/drawing/2010/main" xmlns="" w="9525">
+                  <a14:hiddenLine xmlns="" xmlns:a14="http://schemas.microsoft.com/office/drawing/2010/main" w="9525">
                     <a:solidFill>
                       <a:srgbClr val="000000"/>
                     </a:solidFill>
@@ -11611,7 +11618,7 @@
               </a:ln>
               <a:extLst>
                 <a:ext uri="{91240B29-F687-4f45-9708-019B960494DF}">
-                  <a14:hiddenLine xmlns:a14="http://schemas.microsoft.com/office/drawing/2010/main" xmlns="" w="9525">
+                  <a14:hiddenLine xmlns="" xmlns:a14="http://schemas.microsoft.com/office/drawing/2010/main" w="9525">
                     <a:solidFill>
                       <a:srgbClr val="000000"/>
                     </a:solidFill>
@@ -11679,7 +11686,7 @@
               </a:ln>
               <a:extLst>
                 <a:ext uri="{91240B29-F687-4f45-9708-019B960494DF}">
-                  <a14:hiddenLine xmlns:a14="http://schemas.microsoft.com/office/drawing/2010/main" xmlns="" w="9525">
+                  <a14:hiddenLine xmlns="" xmlns:a14="http://schemas.microsoft.com/office/drawing/2010/main" w="9525">
                     <a:solidFill>
                       <a:srgbClr val="000000"/>
                     </a:solidFill>
@@ -11769,7 +11776,7 @@
               </a:ln>
               <a:extLst>
                 <a:ext uri="{91240B29-F687-4f45-9708-019B960494DF}">
-                  <a14:hiddenLine xmlns:a14="http://schemas.microsoft.com/office/drawing/2010/main" xmlns="" w="9525">
+                  <a14:hiddenLine xmlns="" xmlns:a14="http://schemas.microsoft.com/office/drawing/2010/main" w="9525">
                     <a:solidFill>
                       <a:srgbClr val="000000"/>
                     </a:solidFill>
@@ -11803,7 +11810,7 @@
               </a:ln>
               <a:extLst>
                 <a:ext uri="{91240B29-F687-4f45-9708-019B960494DF}">
-                  <a14:hiddenLine xmlns:a14="http://schemas.microsoft.com/office/drawing/2010/main" xmlns="" w="9525">
+                  <a14:hiddenLine xmlns="" xmlns:a14="http://schemas.microsoft.com/office/drawing/2010/main" w="9525">
                     <a:solidFill>
                       <a:srgbClr val="000000"/>
                     </a:solidFill>
@@ -11944,7 +11951,7 @@
             <a:fld id="{48A87A34-81AB-432B-8DAE-1953F412C126}" type="datetimeFigureOut">
               <a:rPr lang="en-US" dirty="0"/>
               <a:pPr/>
-              <a:t>9/7/2019</a:t>
+              <a:t>9/10/2019</a:t>
             </a:fld>
             <a:endParaRPr lang="en-US" dirty="0"/>
           </a:p>
@@ -12589,6 +12596,235 @@
           <p:cNvPr id="2" name="Title 1">
             <a:extLst>
               <a:ext uri="{FF2B5EF4-FFF2-40B4-BE49-F238E27FC236}">
+                <a16:creationId xmlns:a16="http://schemas.microsoft.com/office/drawing/2014/main" id="{AB135AF1-5903-4C1F-94B1-A8D2A3D9C1AB}"/>
+              </a:ext>
+            </a:extLst>
+          </p:cNvPr>
+          <p:cNvSpPr>
+            <a:spLocks noGrp="1"/>
+          </p:cNvSpPr>
+          <p:nvPr>
+            <p:ph type="title"/>
+          </p:nvPr>
+        </p:nvSpPr>
+        <p:spPr/>
+        <p:txBody>
+          <a:bodyPr/>
+          <a:lstStyle/>
+          <a:p>
+            <a:r>
+              <a:rPr lang="en-US" dirty="0"/>
+              <a:t>Some algorithms</a:t>
+            </a:r>
+          </a:p>
+        </p:txBody>
+      </p:sp>
+      <p:sp>
+        <p:nvSpPr>
+          <p:cNvPr id="3" name="Content Placeholder 2">
+            <a:extLst>
+              <a:ext uri="{FF2B5EF4-FFF2-40B4-BE49-F238E27FC236}">
+                <a16:creationId xmlns:a16="http://schemas.microsoft.com/office/drawing/2014/main" id="{14F8675C-32AC-4D89-9670-6D18D5084578}"/>
+              </a:ext>
+            </a:extLst>
+          </p:cNvPr>
+          <p:cNvSpPr>
+            <a:spLocks noGrp="1"/>
+          </p:cNvSpPr>
+          <p:nvPr>
+            <p:ph idx="1"/>
+          </p:nvPr>
+        </p:nvSpPr>
+        <p:spPr>
+          <a:xfrm>
+            <a:off x="1141412" y="1955800"/>
+            <a:ext cx="9905999" cy="4394199"/>
+          </a:xfrm>
+        </p:spPr>
+        <p:txBody>
+          <a:bodyPr>
+            <a:normAutofit/>
+          </a:bodyPr>
+          <a:lstStyle/>
+          <a:p>
+            <a:r>
+              <a:rPr lang="en-US" dirty="0"/>
+              <a:t>Some algorithms can handle multiple classes directly (pg. 96)</a:t>
+            </a:r>
+          </a:p>
+          <a:p>
+            <a:pPr lvl="1"/>
+            <a:r>
+              <a:rPr lang="en-US" dirty="0"/>
+              <a:t>Random Forest Classifiers</a:t>
+            </a:r>
+          </a:p>
+          <a:p>
+            <a:pPr lvl="1"/>
+            <a:r>
+              <a:rPr lang="en-US" dirty="0"/>
+              <a:t>Naïve Bayes Classifiers</a:t>
+            </a:r>
+          </a:p>
+          <a:p>
+            <a:r>
+              <a:rPr lang="en-US" dirty="0"/>
+              <a:t>Some classifiers are strictly binary classifiers (pg. 96)</a:t>
+            </a:r>
+          </a:p>
+          <a:p>
+            <a:pPr lvl="1"/>
+            <a:r>
+              <a:rPr lang="en-US" dirty="0"/>
+              <a:t>Support Vector Machine Classifiers</a:t>
+            </a:r>
+          </a:p>
+          <a:p>
+            <a:pPr lvl="1"/>
+            <a:r>
+              <a:rPr lang="en-US" dirty="0"/>
+              <a:t>Linear Classifiers</a:t>
+            </a:r>
+          </a:p>
+          <a:p>
+            <a:r>
+              <a:rPr lang="en-US" dirty="0"/>
+              <a:t>Some classifiers scale poorly with the size of the training set (pg. 96)</a:t>
+            </a:r>
+          </a:p>
+          <a:p>
+            <a:pPr lvl="1"/>
+            <a:r>
+              <a:rPr lang="en-US" dirty="0"/>
+              <a:t>Support Vector Machines train faster on many small data sets compared to one large data set</a:t>
+            </a:r>
+          </a:p>
+          <a:p>
+            <a:pPr marL="457200" lvl="1" indent="0">
+              <a:buNone/>
+            </a:pPr>
+            <a:endParaRPr lang="en-US" dirty="0"/>
+          </a:p>
+        </p:txBody>
+      </p:sp>
+    </p:spTree>
+    <p:extLst>
+      <p:ext uri="{BB962C8B-B14F-4D97-AF65-F5344CB8AC3E}">
+        <p14:creationId xmlns:p14="http://schemas.microsoft.com/office/powerpoint/2010/main" val="1101618174"/>
+      </p:ext>
+    </p:extLst>
+  </p:cSld>
+  <p:clrMapOvr>
+    <a:masterClrMapping/>
+  </p:clrMapOvr>
+</p:sld>
+</file>
+
+<file path=ppt/slides/slide4.xml><?xml version="1.0" encoding="utf-8"?>
+<p:sld xmlns:a="http://schemas.openxmlformats.org/drawingml/2006/main" xmlns:r="http://schemas.openxmlformats.org/officeDocument/2006/relationships" xmlns:p="http://schemas.openxmlformats.org/presentationml/2006/main">
+  <p:cSld>
+    <p:spTree>
+      <p:nvGrpSpPr>
+        <p:cNvPr id="1" name=""/>
+        <p:cNvGrpSpPr/>
+        <p:nvPr/>
+      </p:nvGrpSpPr>
+      <p:grpSpPr>
+        <a:xfrm>
+          <a:off x="0" y="0"/>
+          <a:ext cx="0" cy="0"/>
+          <a:chOff x="0" y="0"/>
+          <a:chExt cx="0" cy="0"/>
+        </a:xfrm>
+      </p:grpSpPr>
+      <p:sp>
+        <p:nvSpPr>
+          <p:cNvPr id="2" name="Title 1">
+            <a:extLst>
+              <a:ext uri="{FF2B5EF4-FFF2-40B4-BE49-F238E27FC236}">
+                <a16:creationId xmlns:a16="http://schemas.microsoft.com/office/drawing/2014/main" id="{13D22859-0466-494E-8EF0-B7D2383F6A75}"/>
+              </a:ext>
+            </a:extLst>
+          </p:cNvPr>
+          <p:cNvSpPr>
+            <a:spLocks noGrp="1"/>
+          </p:cNvSpPr>
+          <p:nvPr>
+            <p:ph type="title"/>
+          </p:nvPr>
+        </p:nvSpPr>
+        <p:spPr/>
+        <p:txBody>
+          <a:bodyPr/>
+          <a:lstStyle/>
+          <a:p>
+            <a:r>
+              <a:rPr lang="en-US" dirty="0"/>
+              <a:t>Some Algorithms</a:t>
+            </a:r>
+          </a:p>
+        </p:txBody>
+      </p:sp>
+      <p:sp>
+        <p:nvSpPr>
+          <p:cNvPr id="3" name="Content Placeholder 2">
+            <a:extLst>
+              <a:ext uri="{FF2B5EF4-FFF2-40B4-BE49-F238E27FC236}">
+                <a16:creationId xmlns:a16="http://schemas.microsoft.com/office/drawing/2014/main" id="{4F21E970-8907-42B2-8630-683D0C0B5C69}"/>
+              </a:ext>
+            </a:extLst>
+          </p:cNvPr>
+          <p:cNvSpPr>
+            <a:spLocks noGrp="1"/>
+          </p:cNvSpPr>
+          <p:nvPr>
+            <p:ph idx="1"/>
+          </p:nvPr>
+        </p:nvSpPr>
+        <p:spPr/>
+        <p:txBody>
+          <a:bodyPr/>
+          <a:lstStyle/>
+          <a:p>
+            <a:endParaRPr lang="en-US" dirty="0"/>
+          </a:p>
+        </p:txBody>
+      </p:sp>
+    </p:spTree>
+    <p:extLst>
+      <p:ext uri="{BB962C8B-B14F-4D97-AF65-F5344CB8AC3E}">
+        <p14:creationId xmlns:p14="http://schemas.microsoft.com/office/powerpoint/2010/main" val="3047421845"/>
+      </p:ext>
+    </p:extLst>
+  </p:cSld>
+  <p:clrMapOvr>
+    <a:masterClrMapping/>
+  </p:clrMapOvr>
+</p:sld>
+</file>
+
+<file path=ppt/slides/slide5.xml><?xml version="1.0" encoding="utf-8"?>
+<p:sld xmlns:a="http://schemas.openxmlformats.org/drawingml/2006/main" xmlns:r="http://schemas.openxmlformats.org/officeDocument/2006/relationships" xmlns:p="http://schemas.openxmlformats.org/presentationml/2006/main">
+  <p:cSld>
+    <p:spTree>
+      <p:nvGrpSpPr>
+        <p:cNvPr id="1" name=""/>
+        <p:cNvGrpSpPr/>
+        <p:nvPr/>
+      </p:nvGrpSpPr>
+      <p:grpSpPr>
+        <a:xfrm>
+          <a:off x="0" y="0"/>
+          <a:ext cx="0" cy="0"/>
+          <a:chOff x="0" y="0"/>
+          <a:chExt cx="0" cy="0"/>
+        </a:xfrm>
+      </p:grpSpPr>
+      <p:sp>
+        <p:nvSpPr>
+          <p:cNvPr id="2" name="Title 1">
+            <a:extLst>
+              <a:ext uri="{FF2B5EF4-FFF2-40B4-BE49-F238E27FC236}">
                 <a16:creationId xmlns:a16="http://schemas.microsoft.com/office/drawing/2014/main" id="{60A212DB-1AF9-46EA-B101-E8081DC9503C}"/>
               </a:ext>
             </a:extLst>
@@ -12650,7 +12886,7 @@
 </p:sld>
 </file>
 
-<file path=ppt/slides/slide4.xml><?xml version="1.0" encoding="utf-8"?>
+<file path=ppt/slides/slide6.xml><?xml version="1.0" encoding="utf-8"?>
 <p:sld xmlns:a="http://schemas.openxmlformats.org/drawingml/2006/main" xmlns:r="http://schemas.openxmlformats.org/officeDocument/2006/relationships" xmlns:p="http://schemas.openxmlformats.org/presentationml/2006/main">
   <p:cSld>
     <p:spTree>

--- a/chapter_3/chapter_3.pptx
+++ b/chapter_3/chapter_3.pptx
@@ -174,7 +174,7 @@
           <a:noFill/>
           <a:extLst>
             <a:ext uri="{909E8E84-426E-40dd-AFC4-6F175D3DCCD1}">
-              <a14:hiddenFill xmlns="" xmlns:a14="http://schemas.microsoft.com/office/drawing/2010/main">
+              <a14:hiddenFill xmlns:a14="http://schemas.microsoft.com/office/drawing/2010/main" xmlns="">
                 <a:solidFill>
                   <a:srgbClr val="FFFFFF"/>
                 </a:solidFill>
@@ -234,7 +234,7 @@
             </a:ln>
             <a:extLst>
               <a:ext uri="{91240B29-F687-4f45-9708-019B960494DF}">
-                <a14:hiddenLine xmlns="" xmlns:a14="http://schemas.microsoft.com/office/drawing/2010/main" w="9525">
+                <a14:hiddenLine xmlns:a14="http://schemas.microsoft.com/office/drawing/2010/main" xmlns="" w="9525">
                   <a:solidFill>
                     <a:srgbClr val="000000"/>
                   </a:solidFill>
@@ -324,7 +324,7 @@
             </a:ln>
             <a:extLst>
               <a:ext uri="{91240B29-F687-4f45-9708-019B960494DF}">
-                <a14:hiddenLine xmlns="" xmlns:a14="http://schemas.microsoft.com/office/drawing/2010/main" w="9525">
+                <a14:hiddenLine xmlns:a14="http://schemas.microsoft.com/office/drawing/2010/main" xmlns="" w="9525">
                   <a:solidFill>
                     <a:srgbClr val="000000"/>
                   </a:solidFill>
@@ -414,7 +414,7 @@
             </a:ln>
             <a:extLst>
               <a:ext uri="{91240B29-F687-4f45-9708-019B960494DF}">
-                <a14:hiddenLine xmlns="" xmlns:a14="http://schemas.microsoft.com/office/drawing/2010/main" w="9525">
+                <a14:hiddenLine xmlns:a14="http://schemas.microsoft.com/office/drawing/2010/main" xmlns="" w="9525">
                   <a:solidFill>
                     <a:srgbClr val="000000"/>
                   </a:solidFill>
@@ -448,7 +448,7 @@
             </a:ln>
             <a:extLst>
               <a:ext uri="{91240B29-F687-4f45-9708-019B960494DF}">
-                <a14:hiddenLine xmlns="" xmlns:a14="http://schemas.microsoft.com/office/drawing/2010/main" w="9525">
+                <a14:hiddenLine xmlns:a14="http://schemas.microsoft.com/office/drawing/2010/main" xmlns="" w="9525">
                   <a:solidFill>
                     <a:srgbClr val="000000"/>
                   </a:solidFill>
@@ -538,7 +538,7 @@
             </a:ln>
             <a:extLst>
               <a:ext uri="{91240B29-F687-4f45-9708-019B960494DF}">
-                <a14:hiddenLine xmlns="" xmlns:a14="http://schemas.microsoft.com/office/drawing/2010/main" w="9525">
+                <a14:hiddenLine xmlns:a14="http://schemas.microsoft.com/office/drawing/2010/main" xmlns="" w="9525">
                   <a:solidFill>
                     <a:srgbClr val="000000"/>
                   </a:solidFill>
@@ -600,7 +600,7 @@
             </a:ln>
             <a:extLst>
               <a:ext uri="{91240B29-F687-4f45-9708-019B960494DF}">
-                <a14:hiddenLine xmlns="" xmlns:a14="http://schemas.microsoft.com/office/drawing/2010/main" w="9525">
+                <a14:hiddenLine xmlns:a14="http://schemas.microsoft.com/office/drawing/2010/main" xmlns="" w="9525">
                   <a:solidFill>
                     <a:srgbClr val="000000"/>
                   </a:solidFill>
@@ -662,7 +662,7 @@
             </a:ln>
             <a:extLst>
               <a:ext uri="{91240B29-F687-4f45-9708-019B960494DF}">
-                <a14:hiddenLine xmlns="" xmlns:a14="http://schemas.microsoft.com/office/drawing/2010/main" w="9525">
+                <a14:hiddenLine xmlns:a14="http://schemas.microsoft.com/office/drawing/2010/main" xmlns="" w="9525">
                   <a:solidFill>
                     <a:srgbClr val="000000"/>
                   </a:solidFill>
@@ -752,7 +752,7 @@
             </a:ln>
             <a:extLst>
               <a:ext uri="{91240B29-F687-4f45-9708-019B960494DF}">
-                <a14:hiddenLine xmlns="" xmlns:a14="http://schemas.microsoft.com/office/drawing/2010/main" w="9525">
+                <a14:hiddenLine xmlns:a14="http://schemas.microsoft.com/office/drawing/2010/main" xmlns="" w="9525">
                   <a:solidFill>
                     <a:srgbClr val="000000"/>
                   </a:solidFill>
@@ -814,7 +814,7 @@
             </a:ln>
             <a:extLst>
               <a:ext uri="{91240B29-F687-4f45-9708-019B960494DF}">
-                <a14:hiddenLine xmlns="" xmlns:a14="http://schemas.microsoft.com/office/drawing/2010/main" w="9525">
+                <a14:hiddenLine xmlns:a14="http://schemas.microsoft.com/office/drawing/2010/main" xmlns="" w="9525">
                   <a:solidFill>
                     <a:srgbClr val="000000"/>
                   </a:solidFill>
@@ -876,7 +876,7 @@
             </a:ln>
             <a:extLst>
               <a:ext uri="{91240B29-F687-4f45-9708-019B960494DF}">
-                <a14:hiddenLine xmlns="" xmlns:a14="http://schemas.microsoft.com/office/drawing/2010/main" w="9525">
+                <a14:hiddenLine xmlns:a14="http://schemas.microsoft.com/office/drawing/2010/main" xmlns="" w="9525">
                   <a:solidFill>
                     <a:srgbClr val="000000"/>
                   </a:solidFill>
@@ -966,7 +966,7 @@
             </a:ln>
             <a:extLst>
               <a:ext uri="{91240B29-F687-4f45-9708-019B960494DF}">
-                <a14:hiddenLine xmlns="" xmlns:a14="http://schemas.microsoft.com/office/drawing/2010/main" w="9525">
+                <a14:hiddenLine xmlns:a14="http://schemas.microsoft.com/office/drawing/2010/main" xmlns="" w="9525">
                   <a:solidFill>
                     <a:srgbClr val="000000"/>
                   </a:solidFill>
@@ -1056,7 +1056,7 @@
             </a:ln>
             <a:extLst>
               <a:ext uri="{91240B29-F687-4f45-9708-019B960494DF}">
-                <a14:hiddenLine xmlns="" xmlns:a14="http://schemas.microsoft.com/office/drawing/2010/main" w="9525">
+                <a14:hiddenLine xmlns:a14="http://schemas.microsoft.com/office/drawing/2010/main" xmlns="" w="9525">
                   <a:solidFill>
                     <a:srgbClr val="000000"/>
                   </a:solidFill>
@@ -1118,7 +1118,7 @@
             </a:ln>
             <a:extLst>
               <a:ext uri="{91240B29-F687-4f45-9708-019B960494DF}">
-                <a14:hiddenLine xmlns="" xmlns:a14="http://schemas.microsoft.com/office/drawing/2010/main" w="9525">
+                <a14:hiddenLine xmlns:a14="http://schemas.microsoft.com/office/drawing/2010/main" xmlns="" w="9525">
                   <a:solidFill>
                     <a:srgbClr val="000000"/>
                   </a:solidFill>
@@ -1228,7 +1228,7 @@
             </a:ln>
             <a:extLst>
               <a:ext uri="{91240B29-F687-4f45-9708-019B960494DF}">
-                <a14:hiddenLine xmlns="" xmlns:a14="http://schemas.microsoft.com/office/drawing/2010/main" w="9525">
+                <a14:hiddenLine xmlns:a14="http://schemas.microsoft.com/office/drawing/2010/main" xmlns="" w="9525">
                   <a:solidFill>
                     <a:srgbClr val="000000"/>
                   </a:solidFill>
@@ -1290,7 +1290,7 @@
             </a:ln>
             <a:extLst>
               <a:ext uri="{91240B29-F687-4f45-9708-019B960494DF}">
-                <a14:hiddenLine xmlns="" xmlns:a14="http://schemas.microsoft.com/office/drawing/2010/main" w="9525">
+                <a14:hiddenLine xmlns:a14="http://schemas.microsoft.com/office/drawing/2010/main" xmlns="" w="9525">
                   <a:solidFill>
                     <a:srgbClr val="000000"/>
                   </a:solidFill>
@@ -1380,7 +1380,7 @@
             </a:ln>
             <a:extLst>
               <a:ext uri="{91240B29-F687-4f45-9708-019B960494DF}">
-                <a14:hiddenLine xmlns="" xmlns:a14="http://schemas.microsoft.com/office/drawing/2010/main" w="9525">
+                <a14:hiddenLine xmlns:a14="http://schemas.microsoft.com/office/drawing/2010/main" xmlns="" w="9525">
                   <a:solidFill>
                     <a:srgbClr val="000000"/>
                   </a:solidFill>
@@ -1470,7 +1470,7 @@
             </a:ln>
             <a:extLst>
               <a:ext uri="{91240B29-F687-4f45-9708-019B960494DF}">
-                <a14:hiddenLine xmlns="" xmlns:a14="http://schemas.microsoft.com/office/drawing/2010/main" w="9525">
+                <a14:hiddenLine xmlns:a14="http://schemas.microsoft.com/office/drawing/2010/main" xmlns="" w="9525">
                   <a:solidFill>
                     <a:srgbClr val="000000"/>
                   </a:solidFill>
@@ -1532,7 +1532,7 @@
             </a:ln>
             <a:extLst>
               <a:ext uri="{91240B29-F687-4f45-9708-019B960494DF}">
-                <a14:hiddenLine xmlns="" xmlns:a14="http://schemas.microsoft.com/office/drawing/2010/main" w="9525">
+                <a14:hiddenLine xmlns:a14="http://schemas.microsoft.com/office/drawing/2010/main" xmlns="" w="9525">
                   <a:solidFill>
                     <a:srgbClr val="000000"/>
                   </a:solidFill>
@@ -1622,7 +1622,7 @@
             </a:ln>
             <a:extLst>
               <a:ext uri="{91240B29-F687-4f45-9708-019B960494DF}">
-                <a14:hiddenLine xmlns="" xmlns:a14="http://schemas.microsoft.com/office/drawing/2010/main" w="9525">
+                <a14:hiddenLine xmlns:a14="http://schemas.microsoft.com/office/drawing/2010/main" xmlns="" w="9525">
                   <a:solidFill>
                     <a:srgbClr val="000000"/>
                   </a:solidFill>
@@ -1712,7 +1712,7 @@
             </a:ln>
             <a:extLst>
               <a:ext uri="{91240B29-F687-4f45-9708-019B960494DF}">
-                <a14:hiddenLine xmlns="" xmlns:a14="http://schemas.microsoft.com/office/drawing/2010/main" w="9525">
+                <a14:hiddenLine xmlns:a14="http://schemas.microsoft.com/office/drawing/2010/main" xmlns="" w="9525">
                   <a:solidFill>
                     <a:srgbClr val="000000"/>
                   </a:solidFill>
@@ -1768,7 +1768,7 @@
             </a:ln>
             <a:extLst>
               <a:ext uri="{91240B29-F687-4f45-9708-019B960494DF}">
-                <a14:hiddenLine xmlns="" xmlns:a14="http://schemas.microsoft.com/office/drawing/2010/main" w="9525">
+                <a14:hiddenLine xmlns:a14="http://schemas.microsoft.com/office/drawing/2010/main" xmlns="" w="9525">
                   <a:solidFill>
                     <a:srgbClr val="000000"/>
                   </a:solidFill>
@@ -1858,7 +1858,7 @@
             </a:ln>
             <a:extLst>
               <a:ext uri="{91240B29-F687-4f45-9708-019B960494DF}">
-                <a14:hiddenLine xmlns="" xmlns:a14="http://schemas.microsoft.com/office/drawing/2010/main" w="9525">
+                <a14:hiddenLine xmlns:a14="http://schemas.microsoft.com/office/drawing/2010/main" xmlns="" w="9525">
                   <a:solidFill>
                     <a:srgbClr val="000000"/>
                   </a:solidFill>
@@ -1914,7 +1914,7 @@
             </a:ln>
             <a:extLst>
               <a:ext uri="{91240B29-F687-4f45-9708-019B960494DF}">
-                <a14:hiddenLine xmlns="" xmlns:a14="http://schemas.microsoft.com/office/drawing/2010/main" w="9525">
+                <a14:hiddenLine xmlns:a14="http://schemas.microsoft.com/office/drawing/2010/main" xmlns="" w="9525">
                   <a:solidFill>
                     <a:srgbClr val="000000"/>
                   </a:solidFill>
@@ -2004,7 +2004,7 @@
             </a:ln>
             <a:extLst>
               <a:ext uri="{91240B29-F687-4f45-9708-019B960494DF}">
-                <a14:hiddenLine xmlns="" xmlns:a14="http://schemas.microsoft.com/office/drawing/2010/main" w="9525">
+                <a14:hiddenLine xmlns:a14="http://schemas.microsoft.com/office/drawing/2010/main" xmlns="" w="9525">
                   <a:solidFill>
                     <a:srgbClr val="000000"/>
                   </a:solidFill>
@@ -2072,7 +2072,7 @@
             </a:ln>
             <a:extLst>
               <a:ext uri="{91240B29-F687-4f45-9708-019B960494DF}">
-                <a14:hiddenLine xmlns="" xmlns:a14="http://schemas.microsoft.com/office/drawing/2010/main" w="9525">
+                <a14:hiddenLine xmlns:a14="http://schemas.microsoft.com/office/drawing/2010/main" xmlns="" w="9525">
                   <a:solidFill>
                     <a:srgbClr val="000000"/>
                   </a:solidFill>
@@ -2162,7 +2162,7 @@
             </a:ln>
             <a:extLst>
               <a:ext uri="{91240B29-F687-4f45-9708-019B960494DF}">
-                <a14:hiddenLine xmlns="" xmlns:a14="http://schemas.microsoft.com/office/drawing/2010/main" w="9525">
+                <a14:hiddenLine xmlns:a14="http://schemas.microsoft.com/office/drawing/2010/main" xmlns="" w="9525">
                   <a:solidFill>
                     <a:srgbClr val="000000"/>
                   </a:solidFill>
@@ -2230,7 +2230,7 @@
             </a:ln>
             <a:extLst>
               <a:ext uri="{91240B29-F687-4f45-9708-019B960494DF}">
-                <a14:hiddenLine xmlns="" xmlns:a14="http://schemas.microsoft.com/office/drawing/2010/main" w="9525">
+                <a14:hiddenLine xmlns:a14="http://schemas.microsoft.com/office/drawing/2010/main" xmlns="" w="9525">
                   <a:solidFill>
                     <a:srgbClr val="000000"/>
                   </a:solidFill>
@@ -2320,7 +2320,7 @@
             </a:ln>
             <a:extLst>
               <a:ext uri="{91240B29-F687-4f45-9708-019B960494DF}">
-                <a14:hiddenLine xmlns="" xmlns:a14="http://schemas.microsoft.com/office/drawing/2010/main" w="9525">
+                <a14:hiddenLine xmlns:a14="http://schemas.microsoft.com/office/drawing/2010/main" xmlns="" w="9525">
                   <a:solidFill>
                     <a:srgbClr val="000000"/>
                   </a:solidFill>
@@ -2354,7 +2354,7 @@
             </a:ln>
             <a:extLst>
               <a:ext uri="{91240B29-F687-4f45-9708-019B960494DF}">
-                <a14:hiddenLine xmlns="" xmlns:a14="http://schemas.microsoft.com/office/drawing/2010/main" w="9525">
+                <a14:hiddenLine xmlns:a14="http://schemas.microsoft.com/office/drawing/2010/main" xmlns="" w="9525">
                   <a:solidFill>
                     <a:srgbClr val="000000"/>
                   </a:solidFill>
@@ -2444,7 +2444,7 @@
             </a:ln>
             <a:extLst>
               <a:ext uri="{91240B29-F687-4f45-9708-019B960494DF}">
-                <a14:hiddenLine xmlns="" xmlns:a14="http://schemas.microsoft.com/office/drawing/2010/main" w="9525">
+                <a14:hiddenLine xmlns:a14="http://schemas.microsoft.com/office/drawing/2010/main" xmlns="" w="9525">
                   <a:solidFill>
                     <a:srgbClr val="000000"/>
                   </a:solidFill>
@@ -2506,7 +2506,7 @@
             </a:ln>
             <a:extLst>
               <a:ext uri="{91240B29-F687-4f45-9708-019B960494DF}">
-                <a14:hiddenLine xmlns="" xmlns:a14="http://schemas.microsoft.com/office/drawing/2010/main" w="9525">
+                <a14:hiddenLine xmlns:a14="http://schemas.microsoft.com/office/drawing/2010/main" xmlns="" w="9525">
                   <a:solidFill>
                     <a:srgbClr val="000000"/>
                   </a:solidFill>
@@ -2568,7 +2568,7 @@
             </a:ln>
             <a:extLst>
               <a:ext uri="{91240B29-F687-4f45-9708-019B960494DF}">
-                <a14:hiddenLine xmlns="" xmlns:a14="http://schemas.microsoft.com/office/drawing/2010/main" w="9525">
+                <a14:hiddenLine xmlns:a14="http://schemas.microsoft.com/office/drawing/2010/main" xmlns="" w="9525">
                   <a:solidFill>
                     <a:srgbClr val="000000"/>
                   </a:solidFill>
@@ -2658,7 +2658,7 @@
             </a:ln>
             <a:extLst>
               <a:ext uri="{91240B29-F687-4f45-9708-019B960494DF}">
-                <a14:hiddenLine xmlns="" xmlns:a14="http://schemas.microsoft.com/office/drawing/2010/main" w="9525">
+                <a14:hiddenLine xmlns:a14="http://schemas.microsoft.com/office/drawing/2010/main" xmlns="" w="9525">
                   <a:solidFill>
                     <a:srgbClr val="000000"/>
                   </a:solidFill>
@@ -2726,7 +2726,7 @@
             </a:ln>
             <a:extLst>
               <a:ext uri="{91240B29-F687-4f45-9708-019B960494DF}">
-                <a14:hiddenLine xmlns="" xmlns:a14="http://schemas.microsoft.com/office/drawing/2010/main" w="9525">
+                <a14:hiddenLine xmlns:a14="http://schemas.microsoft.com/office/drawing/2010/main" xmlns="" w="9525">
                   <a:solidFill>
                     <a:srgbClr val="000000"/>
                   </a:solidFill>
@@ -2788,7 +2788,7 @@
             </a:ln>
             <a:extLst>
               <a:ext uri="{91240B29-F687-4f45-9708-019B960494DF}">
-                <a14:hiddenLine xmlns="" xmlns:a14="http://schemas.microsoft.com/office/drawing/2010/main" w="9525">
+                <a14:hiddenLine xmlns:a14="http://schemas.microsoft.com/office/drawing/2010/main" xmlns="" w="9525">
                   <a:solidFill>
                     <a:srgbClr val="000000"/>
                   </a:solidFill>
@@ -2878,7 +2878,7 @@
             </a:ln>
             <a:extLst>
               <a:ext uri="{91240B29-F687-4f45-9708-019B960494DF}">
-                <a14:hiddenLine xmlns="" xmlns:a14="http://schemas.microsoft.com/office/drawing/2010/main" w="9525">
+                <a14:hiddenLine xmlns:a14="http://schemas.microsoft.com/office/drawing/2010/main" xmlns="" w="9525">
                   <a:solidFill>
                     <a:srgbClr val="000000"/>
                   </a:solidFill>
@@ -2940,7 +2940,7 @@
             </a:ln>
             <a:extLst>
               <a:ext uri="{91240B29-F687-4f45-9708-019B960494DF}">
-                <a14:hiddenLine xmlns="" xmlns:a14="http://schemas.microsoft.com/office/drawing/2010/main" w="9525">
+                <a14:hiddenLine xmlns:a14="http://schemas.microsoft.com/office/drawing/2010/main" xmlns="" w="9525">
                   <a:solidFill>
                     <a:srgbClr val="000000"/>
                   </a:solidFill>
@@ -3030,7 +3030,7 @@
             </a:ln>
             <a:extLst>
               <a:ext uri="{91240B29-F687-4f45-9708-019B960494DF}">
-                <a14:hiddenLine xmlns="" xmlns:a14="http://schemas.microsoft.com/office/drawing/2010/main" w="9525">
+                <a14:hiddenLine xmlns:a14="http://schemas.microsoft.com/office/drawing/2010/main" xmlns="" w="9525">
                   <a:solidFill>
                     <a:srgbClr val="000000"/>
                   </a:solidFill>
@@ -3092,7 +3092,7 @@
             </a:ln>
             <a:extLst>
               <a:ext uri="{91240B29-F687-4f45-9708-019B960494DF}">
-                <a14:hiddenLine xmlns="" xmlns:a14="http://schemas.microsoft.com/office/drawing/2010/main" w="9525">
+                <a14:hiddenLine xmlns:a14="http://schemas.microsoft.com/office/drawing/2010/main" xmlns="" w="9525">
                   <a:solidFill>
                     <a:srgbClr val="000000"/>
                   </a:solidFill>
@@ -3182,7 +3182,7 @@
             </a:ln>
             <a:extLst>
               <a:ext uri="{91240B29-F687-4f45-9708-019B960494DF}">
-                <a14:hiddenLine xmlns="" xmlns:a14="http://schemas.microsoft.com/office/drawing/2010/main" w="9525">
+                <a14:hiddenLine xmlns:a14="http://schemas.microsoft.com/office/drawing/2010/main" xmlns="" w="9525">
                   <a:solidFill>
                     <a:srgbClr val="000000"/>
                   </a:solidFill>
@@ -3216,7 +3216,7 @@
             </a:ln>
             <a:extLst>
               <a:ext uri="{91240B29-F687-4f45-9708-019B960494DF}">
-                <a14:hiddenLine xmlns="" xmlns:a14="http://schemas.microsoft.com/office/drawing/2010/main" w="9525">
+                <a14:hiddenLine xmlns:a14="http://schemas.microsoft.com/office/drawing/2010/main" xmlns="" w="9525">
                   <a:solidFill>
                     <a:srgbClr val="000000"/>
                   </a:solidFill>
@@ -3281,7 +3281,7 @@
             </a:ln>
             <a:extLst>
               <a:ext uri="{91240B29-F687-4f45-9708-019B960494DF}">
-                <a14:hiddenLine xmlns="" xmlns:a14="http://schemas.microsoft.com/office/drawing/2010/main" w="9525">
+                <a14:hiddenLine xmlns:a14="http://schemas.microsoft.com/office/drawing/2010/main" xmlns="" w="9525">
                   <a:solidFill>
                     <a:srgbClr val="000000"/>
                   </a:solidFill>
@@ -3371,7 +3371,7 @@
             </a:ln>
             <a:extLst>
               <a:ext uri="{91240B29-F687-4f45-9708-019B960494DF}">
-                <a14:hiddenLine xmlns="" xmlns:a14="http://schemas.microsoft.com/office/drawing/2010/main" w="9525">
+                <a14:hiddenLine xmlns:a14="http://schemas.microsoft.com/office/drawing/2010/main" xmlns="" w="9525">
                   <a:solidFill>
                     <a:srgbClr val="000000"/>
                   </a:solidFill>
@@ -3433,7 +3433,7 @@
             </a:ln>
             <a:extLst>
               <a:ext uri="{91240B29-F687-4f45-9708-019B960494DF}">
-                <a14:hiddenLine xmlns="" xmlns:a14="http://schemas.microsoft.com/office/drawing/2010/main" w="9525">
+                <a14:hiddenLine xmlns:a14="http://schemas.microsoft.com/office/drawing/2010/main" xmlns="" w="9525">
                   <a:solidFill>
                     <a:srgbClr val="000000"/>
                   </a:solidFill>
@@ -3523,7 +3523,7 @@
             </a:ln>
             <a:extLst>
               <a:ext uri="{91240B29-F687-4f45-9708-019B960494DF}">
-                <a14:hiddenLine xmlns="" xmlns:a14="http://schemas.microsoft.com/office/drawing/2010/main" w="9525">
+                <a14:hiddenLine xmlns:a14="http://schemas.microsoft.com/office/drawing/2010/main" xmlns="" w="9525">
                   <a:solidFill>
                     <a:srgbClr val="000000"/>
                   </a:solidFill>
@@ -3613,7 +3613,7 @@
             </a:ln>
             <a:extLst>
               <a:ext uri="{91240B29-F687-4f45-9708-019B960494DF}">
-                <a14:hiddenLine xmlns="" xmlns:a14="http://schemas.microsoft.com/office/drawing/2010/main" w="9525">
+                <a14:hiddenLine xmlns:a14="http://schemas.microsoft.com/office/drawing/2010/main" xmlns="" w="9525">
                   <a:solidFill>
                     <a:srgbClr val="000000"/>
                   </a:solidFill>
@@ -3678,7 +3678,7 @@
             </a:ln>
             <a:extLst>
               <a:ext uri="{91240B29-F687-4f45-9708-019B960494DF}">
-                <a14:hiddenLine xmlns="" xmlns:a14="http://schemas.microsoft.com/office/drawing/2010/main" w="9525">
+                <a14:hiddenLine xmlns:a14="http://schemas.microsoft.com/office/drawing/2010/main" xmlns="" w="9525">
                   <a:solidFill>
                     <a:srgbClr val="000000"/>
                   </a:solidFill>
@@ -3740,7 +3740,7 @@
             </a:ln>
             <a:extLst>
               <a:ext uri="{91240B29-F687-4f45-9708-019B960494DF}">
-                <a14:hiddenLine xmlns="" xmlns:a14="http://schemas.microsoft.com/office/drawing/2010/main" w="9525">
+                <a14:hiddenLine xmlns:a14="http://schemas.microsoft.com/office/drawing/2010/main" xmlns="" w="9525">
                   <a:solidFill>
                     <a:srgbClr val="000000"/>
                   </a:solidFill>
@@ -3830,7 +3830,7 @@
             </a:ln>
             <a:extLst>
               <a:ext uri="{91240B29-F687-4f45-9708-019B960494DF}">
-                <a14:hiddenLine xmlns="" xmlns:a14="http://schemas.microsoft.com/office/drawing/2010/main" w="9525">
+                <a14:hiddenLine xmlns:a14="http://schemas.microsoft.com/office/drawing/2010/main" xmlns="" w="9525">
                   <a:solidFill>
                     <a:srgbClr val="000000"/>
                   </a:solidFill>
@@ -3920,7 +3920,7 @@
             </a:ln>
             <a:extLst>
               <a:ext uri="{91240B29-F687-4f45-9708-019B960494DF}">
-                <a14:hiddenLine xmlns="" xmlns:a14="http://schemas.microsoft.com/office/drawing/2010/main" w="9525">
+                <a14:hiddenLine xmlns:a14="http://schemas.microsoft.com/office/drawing/2010/main" xmlns="" w="9525">
                   <a:solidFill>
                     <a:srgbClr val="000000"/>
                   </a:solidFill>
@@ -3982,7 +3982,7 @@
             </a:ln>
             <a:extLst>
               <a:ext uri="{91240B29-F687-4f45-9708-019B960494DF}">
-                <a14:hiddenLine xmlns="" xmlns:a14="http://schemas.microsoft.com/office/drawing/2010/main" w="9525">
+                <a14:hiddenLine xmlns:a14="http://schemas.microsoft.com/office/drawing/2010/main" xmlns="" w="9525">
                   <a:solidFill>
                     <a:srgbClr val="000000"/>
                   </a:solidFill>
@@ -4102,7 +4102,7 @@
             </a:ln>
             <a:extLst>
               <a:ext uri="{91240B29-F687-4f45-9708-019B960494DF}">
-                <a14:hiddenLine xmlns="" xmlns:a14="http://schemas.microsoft.com/office/drawing/2010/main" w="9525">
+                <a14:hiddenLine xmlns:a14="http://schemas.microsoft.com/office/drawing/2010/main" xmlns="" w="9525">
                   <a:solidFill>
                     <a:srgbClr val="000000"/>
                   </a:solidFill>
@@ -4170,7 +4170,7 @@
             </a:ln>
             <a:extLst>
               <a:ext uri="{91240B29-F687-4f45-9708-019B960494DF}">
-                <a14:hiddenLine xmlns="" xmlns:a14="http://schemas.microsoft.com/office/drawing/2010/main" w="9525">
+                <a14:hiddenLine xmlns:a14="http://schemas.microsoft.com/office/drawing/2010/main" xmlns="" w="9525">
                   <a:solidFill>
                     <a:srgbClr val="000000"/>
                   </a:solidFill>
@@ -4260,7 +4260,7 @@
             </a:ln>
             <a:extLst>
               <a:ext uri="{91240B29-F687-4f45-9708-019B960494DF}">
-                <a14:hiddenLine xmlns="" xmlns:a14="http://schemas.microsoft.com/office/drawing/2010/main" w="9525">
+                <a14:hiddenLine xmlns:a14="http://schemas.microsoft.com/office/drawing/2010/main" xmlns="" w="9525">
                   <a:solidFill>
                     <a:srgbClr val="000000"/>
                   </a:solidFill>
@@ -4400,7 +4400,7 @@
           <a:p>
             <a:fld id="{48A87A34-81AB-432B-8DAE-1953F412C126}" type="datetimeFigureOut">
               <a:rPr lang="en-US" dirty="0"/>
-              <a:t>9/10/2019</a:t>
+              <a:t>9/13/2019</a:t>
             </a:fld>
             <a:endParaRPr lang="en-US" dirty="0"/>
           </a:p>
@@ -4662,7 +4662,7 @@
           <a:p>
             <a:fld id="{48A87A34-81AB-432B-8DAE-1953F412C126}" type="datetimeFigureOut">
               <a:rPr lang="en-US" dirty="0"/>
-              <a:t>9/10/2019</a:t>
+              <a:t>9/13/2019</a:t>
             </a:fld>
             <a:endParaRPr lang="en-US" dirty="0"/>
           </a:p>
@@ -4853,7 +4853,7 @@
           <a:p>
             <a:fld id="{48A87A34-81AB-432B-8DAE-1953F412C126}" type="datetimeFigureOut">
               <a:rPr lang="en-US" dirty="0"/>
-              <a:t>9/10/2019</a:t>
+              <a:t>9/13/2019</a:t>
             </a:fld>
             <a:endParaRPr lang="en-US" dirty="0"/>
           </a:p>
@@ -5111,7 +5111,7 @@
           <a:p>
             <a:fld id="{48A87A34-81AB-432B-8DAE-1953F412C126}" type="datetimeFigureOut">
               <a:rPr lang="en-US" dirty="0"/>
-              <a:t>9/10/2019</a:t>
+              <a:t>9/13/2019</a:t>
             </a:fld>
             <a:endParaRPr lang="en-US" dirty="0"/>
           </a:p>
@@ -5540,7 +5540,7 @@
           <a:p>
             <a:fld id="{48A87A34-81AB-432B-8DAE-1953F412C126}" type="datetimeFigureOut">
               <a:rPr lang="en-US" dirty="0"/>
-              <a:t>9/10/2019</a:t>
+              <a:t>9/13/2019</a:t>
             </a:fld>
             <a:endParaRPr lang="en-US" dirty="0"/>
           </a:p>
@@ -6081,7 +6081,7 @@
           <a:p>
             <a:fld id="{48A87A34-81AB-432B-8DAE-1953F412C126}" type="datetimeFigureOut">
               <a:rPr lang="en-US" dirty="0"/>
-              <a:t>9/10/2019</a:t>
+              <a:t>9/13/2019</a:t>
             </a:fld>
             <a:endParaRPr lang="en-US" dirty="0"/>
           </a:p>
@@ -6796,7 +6796,7 @@
           <a:p>
             <a:fld id="{48A87A34-81AB-432B-8DAE-1953F412C126}" type="datetimeFigureOut">
               <a:rPr lang="en-US" dirty="0"/>
-              <a:t>9/10/2019</a:t>
+              <a:t>9/13/2019</a:t>
             </a:fld>
             <a:endParaRPr lang="en-US" dirty="0"/>
           </a:p>
@@ -6961,7 +6961,7 @@
           <a:p>
             <a:fld id="{48A87A34-81AB-432B-8DAE-1953F412C126}" type="datetimeFigureOut">
               <a:rPr lang="en-US" dirty="0"/>
-              <a:t>9/10/2019</a:t>
+              <a:t>9/13/2019</a:t>
             </a:fld>
             <a:endParaRPr lang="en-US" dirty="0"/>
           </a:p>
@@ -7136,7 +7136,7 @@
           <a:p>
             <a:fld id="{48A87A34-81AB-432B-8DAE-1953F412C126}" type="datetimeFigureOut">
               <a:rPr lang="en-US" dirty="0"/>
-              <a:t>9/10/2019</a:t>
+              <a:t>9/13/2019</a:t>
             </a:fld>
             <a:endParaRPr lang="en-US" dirty="0"/>
           </a:p>
@@ -7301,7 +7301,7 @@
           <a:p>
             <a:fld id="{48A87A34-81AB-432B-8DAE-1953F412C126}" type="datetimeFigureOut">
               <a:rPr lang="en-US" dirty="0"/>
-              <a:t>9/10/2019</a:t>
+              <a:t>9/13/2019</a:t>
             </a:fld>
             <a:endParaRPr lang="en-US" dirty="0"/>
           </a:p>
@@ -7546,7 +7546,7 @@
           <a:p>
             <a:fld id="{48A87A34-81AB-432B-8DAE-1953F412C126}" type="datetimeFigureOut">
               <a:rPr lang="en-US" dirty="0"/>
-              <a:t>9/10/2019</a:t>
+              <a:t>9/13/2019</a:t>
             </a:fld>
             <a:endParaRPr lang="en-US" dirty="0"/>
           </a:p>
@@ -7773,7 +7773,7 @@
           <a:p>
             <a:fld id="{48A87A34-81AB-432B-8DAE-1953F412C126}" type="datetimeFigureOut">
               <a:rPr lang="en-US" dirty="0"/>
-              <a:t>9/10/2019</a:t>
+              <a:t>9/13/2019</a:t>
             </a:fld>
             <a:endParaRPr lang="en-US" dirty="0"/>
           </a:p>
@@ -8149,7 +8149,7 @@
           <a:p>
             <a:fld id="{48A87A34-81AB-432B-8DAE-1953F412C126}" type="datetimeFigureOut">
               <a:rPr lang="en-US" dirty="0"/>
-              <a:t>9/10/2019</a:t>
+              <a:t>9/13/2019</a:t>
             </a:fld>
             <a:endParaRPr lang="en-US" dirty="0"/>
           </a:p>
@@ -8262,7 +8262,7 @@
           <a:p>
             <a:fld id="{48A87A34-81AB-432B-8DAE-1953F412C126}" type="datetimeFigureOut">
               <a:rPr lang="en-US" dirty="0"/>
-              <a:t>9/10/2019</a:t>
+              <a:t>9/13/2019</a:t>
             </a:fld>
             <a:endParaRPr lang="en-US" dirty="0"/>
           </a:p>
@@ -8352,7 +8352,7 @@
           <a:p>
             <a:fld id="{48A87A34-81AB-432B-8DAE-1953F412C126}" type="datetimeFigureOut">
               <a:rPr lang="en-US" dirty="0"/>
-              <a:t>9/10/2019</a:t>
+              <a:t>9/13/2019</a:t>
             </a:fld>
             <a:endParaRPr lang="en-US" dirty="0"/>
           </a:p>
@@ -8596,7 +8596,7 @@
           <a:p>
             <a:fld id="{48A87A34-81AB-432B-8DAE-1953F412C126}" type="datetimeFigureOut">
               <a:rPr lang="en-US" dirty="0"/>
-              <a:t>9/10/2019</a:t>
+              <a:t>9/13/2019</a:t>
             </a:fld>
             <a:endParaRPr lang="en-US" dirty="0"/>
           </a:p>
@@ -8871,7 +8871,7 @@
           <a:p>
             <a:fld id="{48A87A34-81AB-432B-8DAE-1953F412C126}" type="datetimeFigureOut">
               <a:rPr lang="en-US" dirty="0"/>
-              <a:t>9/10/2019</a:t>
+              <a:t>9/13/2019</a:t>
             </a:fld>
             <a:endParaRPr lang="en-US" dirty="0"/>
           </a:p>
@@ -8989,7 +8989,7 @@
           <a:noFill/>
           <a:extLst>
             <a:ext uri="{909E8E84-426E-40dd-AFC4-6F175D3DCCD1}">
-              <a14:hiddenFill xmlns="" xmlns:a14="http://schemas.microsoft.com/office/drawing/2010/main">
+              <a14:hiddenFill xmlns:a14="http://schemas.microsoft.com/office/drawing/2010/main" xmlns="">
                 <a:solidFill>
                   <a:srgbClr val="FFFFFF"/>
                 </a:solidFill>
@@ -9063,7 +9063,7 @@
               </a:ln>
               <a:extLst>
                 <a:ext uri="{91240B29-F687-4f45-9708-019B960494DF}">
-                  <a14:hiddenLine xmlns="" xmlns:a14="http://schemas.microsoft.com/office/drawing/2010/main" w="9525">
+                  <a14:hiddenLine xmlns:a14="http://schemas.microsoft.com/office/drawing/2010/main" xmlns="" w="9525">
                     <a:solidFill>
                       <a:srgbClr val="000000"/>
                     </a:solidFill>
@@ -9153,7 +9153,7 @@
               </a:ln>
               <a:extLst>
                 <a:ext uri="{91240B29-F687-4f45-9708-019B960494DF}">
-                  <a14:hiddenLine xmlns="" xmlns:a14="http://schemas.microsoft.com/office/drawing/2010/main" w="9525">
+                  <a14:hiddenLine xmlns:a14="http://schemas.microsoft.com/office/drawing/2010/main" xmlns="" w="9525">
                     <a:solidFill>
                       <a:srgbClr val="000000"/>
                     </a:solidFill>
@@ -9243,7 +9243,7 @@
               </a:ln>
               <a:extLst>
                 <a:ext uri="{91240B29-F687-4f45-9708-019B960494DF}">
-                  <a14:hiddenLine xmlns="" xmlns:a14="http://schemas.microsoft.com/office/drawing/2010/main" w="9525">
+                  <a14:hiddenLine xmlns:a14="http://schemas.microsoft.com/office/drawing/2010/main" xmlns="" w="9525">
                     <a:solidFill>
                       <a:srgbClr val="000000"/>
                     </a:solidFill>
@@ -9305,7 +9305,7 @@
               </a:ln>
               <a:extLst>
                 <a:ext uri="{91240B29-F687-4f45-9708-019B960494DF}">
-                  <a14:hiddenLine xmlns="" xmlns:a14="http://schemas.microsoft.com/office/drawing/2010/main" w="9525">
+                  <a14:hiddenLine xmlns:a14="http://schemas.microsoft.com/office/drawing/2010/main" xmlns="" w="9525">
                     <a:solidFill>
                       <a:srgbClr val="000000"/>
                     </a:solidFill>
@@ -9395,7 +9395,7 @@
               </a:ln>
               <a:extLst>
                 <a:ext uri="{91240B29-F687-4f45-9708-019B960494DF}">
-                  <a14:hiddenLine xmlns="" xmlns:a14="http://schemas.microsoft.com/office/drawing/2010/main" w="9525">
+                  <a14:hiddenLine xmlns:a14="http://schemas.microsoft.com/office/drawing/2010/main" xmlns="" w="9525">
                     <a:solidFill>
                       <a:srgbClr val="000000"/>
                     </a:solidFill>
@@ -9457,7 +9457,7 @@
               </a:ln>
               <a:extLst>
                 <a:ext uri="{91240B29-F687-4f45-9708-019B960494DF}">
-                  <a14:hiddenLine xmlns="" xmlns:a14="http://schemas.microsoft.com/office/drawing/2010/main" w="9525">
+                  <a14:hiddenLine xmlns:a14="http://schemas.microsoft.com/office/drawing/2010/main" xmlns="" w="9525">
                     <a:solidFill>
                       <a:srgbClr val="000000"/>
                     </a:solidFill>
@@ -9519,7 +9519,7 @@
               </a:ln>
               <a:extLst>
                 <a:ext uri="{91240B29-F687-4f45-9708-019B960494DF}">
-                  <a14:hiddenLine xmlns="" xmlns:a14="http://schemas.microsoft.com/office/drawing/2010/main" w="9525">
+                  <a14:hiddenLine xmlns:a14="http://schemas.microsoft.com/office/drawing/2010/main" xmlns="" w="9525">
                     <a:solidFill>
                       <a:srgbClr val="000000"/>
                     </a:solidFill>
@@ -9609,7 +9609,7 @@
               </a:ln>
               <a:extLst>
                 <a:ext uri="{91240B29-F687-4f45-9708-019B960494DF}">
-                  <a14:hiddenLine xmlns="" xmlns:a14="http://schemas.microsoft.com/office/drawing/2010/main" w="9525">
+                  <a14:hiddenLine xmlns:a14="http://schemas.microsoft.com/office/drawing/2010/main" xmlns="" w="9525">
                     <a:solidFill>
                       <a:srgbClr val="000000"/>
                     </a:solidFill>
@@ -9699,7 +9699,7 @@
               </a:ln>
               <a:extLst>
                 <a:ext uri="{91240B29-F687-4f45-9708-019B960494DF}">
-                  <a14:hiddenLine xmlns="" xmlns:a14="http://schemas.microsoft.com/office/drawing/2010/main" w="9525">
+                  <a14:hiddenLine xmlns:a14="http://schemas.microsoft.com/office/drawing/2010/main" xmlns="" w="9525">
                     <a:solidFill>
                       <a:srgbClr val="000000"/>
                     </a:solidFill>
@@ -9761,7 +9761,7 @@
               </a:ln>
               <a:extLst>
                 <a:ext uri="{91240B29-F687-4f45-9708-019B960494DF}">
-                  <a14:hiddenLine xmlns="" xmlns:a14="http://schemas.microsoft.com/office/drawing/2010/main" w="9525">
+                  <a14:hiddenLine xmlns:a14="http://schemas.microsoft.com/office/drawing/2010/main" xmlns="" w="9525">
                     <a:solidFill>
                       <a:srgbClr val="000000"/>
                     </a:solidFill>
@@ -9871,7 +9871,7 @@
               </a:ln>
               <a:extLst>
                 <a:ext uri="{91240B29-F687-4f45-9708-019B960494DF}">
-                  <a14:hiddenLine xmlns="" xmlns:a14="http://schemas.microsoft.com/office/drawing/2010/main" w="9525">
+                  <a14:hiddenLine xmlns:a14="http://schemas.microsoft.com/office/drawing/2010/main" xmlns="" w="9525">
                     <a:solidFill>
                       <a:srgbClr val="000000"/>
                     </a:solidFill>
@@ -9955,7 +9955,7 @@
               </a:ln>
               <a:extLst>
                 <a:ext uri="{91240B29-F687-4f45-9708-019B960494DF}">
-                  <a14:hiddenLine xmlns="" xmlns:a14="http://schemas.microsoft.com/office/drawing/2010/main" w="9525">
+                  <a14:hiddenLine xmlns:a14="http://schemas.microsoft.com/office/drawing/2010/main" xmlns="" w="9525">
                     <a:solidFill>
                       <a:srgbClr val="000000"/>
                     </a:solidFill>
@@ -10017,7 +10017,7 @@
               </a:ln>
               <a:extLst>
                 <a:ext uri="{91240B29-F687-4f45-9708-019B960494DF}">
-                  <a14:hiddenLine xmlns="" xmlns:a14="http://schemas.microsoft.com/office/drawing/2010/main" w="9525">
+                  <a14:hiddenLine xmlns:a14="http://schemas.microsoft.com/office/drawing/2010/main" xmlns="" w="9525">
                     <a:solidFill>
                       <a:srgbClr val="000000"/>
                     </a:solidFill>
@@ -10079,7 +10079,7 @@
               </a:ln>
               <a:extLst>
                 <a:ext uri="{91240B29-F687-4f45-9708-019B960494DF}">
-                  <a14:hiddenLine xmlns="" xmlns:a14="http://schemas.microsoft.com/office/drawing/2010/main" w="9525">
+                  <a14:hiddenLine xmlns:a14="http://schemas.microsoft.com/office/drawing/2010/main" xmlns="" w="9525">
                     <a:solidFill>
                       <a:srgbClr val="000000"/>
                     </a:solidFill>
@@ -10169,7 +10169,7 @@
               </a:ln>
               <a:extLst>
                 <a:ext uri="{91240B29-F687-4f45-9708-019B960494DF}">
-                  <a14:hiddenLine xmlns="" xmlns:a14="http://schemas.microsoft.com/office/drawing/2010/main" w="9525">
+                  <a14:hiddenLine xmlns:a14="http://schemas.microsoft.com/office/drawing/2010/main" xmlns="" w="9525">
                     <a:solidFill>
                       <a:srgbClr val="000000"/>
                     </a:solidFill>
@@ -10203,7 +10203,7 @@
               </a:ln>
               <a:extLst>
                 <a:ext uri="{91240B29-F687-4f45-9708-019B960494DF}">
-                  <a14:hiddenLine xmlns="" xmlns:a14="http://schemas.microsoft.com/office/drawing/2010/main" w="9525">
+                  <a14:hiddenLine xmlns:a14="http://schemas.microsoft.com/office/drawing/2010/main" xmlns="" w="9525">
                     <a:solidFill>
                       <a:srgbClr val="000000"/>
                     </a:solidFill>
@@ -10268,7 +10268,7 @@
               </a:ln>
               <a:extLst>
                 <a:ext uri="{91240B29-F687-4f45-9708-019B960494DF}">
-                  <a14:hiddenLine xmlns="" xmlns:a14="http://schemas.microsoft.com/office/drawing/2010/main" w="9525">
+                  <a14:hiddenLine xmlns:a14="http://schemas.microsoft.com/office/drawing/2010/main" xmlns="" w="9525">
                     <a:solidFill>
                       <a:srgbClr val="000000"/>
                     </a:solidFill>
@@ -10358,7 +10358,7 @@
               </a:ln>
               <a:extLst>
                 <a:ext uri="{91240B29-F687-4f45-9708-019B960494DF}">
-                  <a14:hiddenLine xmlns="" xmlns:a14="http://schemas.microsoft.com/office/drawing/2010/main" w="9525">
+                  <a14:hiddenLine xmlns:a14="http://schemas.microsoft.com/office/drawing/2010/main" xmlns="" w="9525">
                     <a:solidFill>
                       <a:srgbClr val="000000"/>
                     </a:solidFill>
@@ -10420,7 +10420,7 @@
               </a:ln>
               <a:extLst>
                 <a:ext uri="{91240B29-F687-4f45-9708-019B960494DF}">
-                  <a14:hiddenLine xmlns="" xmlns:a14="http://schemas.microsoft.com/office/drawing/2010/main" w="9525">
+                  <a14:hiddenLine xmlns:a14="http://schemas.microsoft.com/office/drawing/2010/main" xmlns="" w="9525">
                     <a:solidFill>
                       <a:srgbClr val="000000"/>
                     </a:solidFill>
@@ -10510,7 +10510,7 @@
               </a:ln>
               <a:extLst>
                 <a:ext uri="{91240B29-F687-4f45-9708-019B960494DF}">
-                  <a14:hiddenLine xmlns="" xmlns:a14="http://schemas.microsoft.com/office/drawing/2010/main" w="9525">
+                  <a14:hiddenLine xmlns:a14="http://schemas.microsoft.com/office/drawing/2010/main" xmlns="" w="9525">
                     <a:solidFill>
                       <a:srgbClr val="000000"/>
                     </a:solidFill>
@@ -10575,7 +10575,7 @@
               </a:ln>
               <a:extLst>
                 <a:ext uri="{91240B29-F687-4f45-9708-019B960494DF}">
-                  <a14:hiddenLine xmlns="" xmlns:a14="http://schemas.microsoft.com/office/drawing/2010/main" w="9525">
+                  <a14:hiddenLine xmlns:a14="http://schemas.microsoft.com/office/drawing/2010/main" xmlns="" w="9525">
                     <a:solidFill>
                       <a:srgbClr val="000000"/>
                     </a:solidFill>
@@ -10637,7 +10637,7 @@
               </a:ln>
               <a:extLst>
                 <a:ext uri="{91240B29-F687-4f45-9708-019B960494DF}">
-                  <a14:hiddenLine xmlns="" xmlns:a14="http://schemas.microsoft.com/office/drawing/2010/main" w="9525">
+                  <a14:hiddenLine xmlns:a14="http://schemas.microsoft.com/office/drawing/2010/main" xmlns="" w="9525">
                     <a:solidFill>
                       <a:srgbClr val="000000"/>
                     </a:solidFill>
@@ -10727,7 +10727,7 @@
               </a:ln>
               <a:extLst>
                 <a:ext uri="{91240B29-F687-4f45-9708-019B960494DF}">
-                  <a14:hiddenLine xmlns="" xmlns:a14="http://schemas.microsoft.com/office/drawing/2010/main" w="9525">
+                  <a14:hiddenLine xmlns:a14="http://schemas.microsoft.com/office/drawing/2010/main" xmlns="" w="9525">
                     <a:solidFill>
                       <a:srgbClr val="000000"/>
                     </a:solidFill>
@@ -10817,7 +10817,7 @@
               </a:ln>
               <a:extLst>
                 <a:ext uri="{91240B29-F687-4f45-9708-019B960494DF}">
-                  <a14:hiddenLine xmlns="" xmlns:a14="http://schemas.microsoft.com/office/drawing/2010/main" w="9525">
+                  <a14:hiddenLine xmlns:a14="http://schemas.microsoft.com/office/drawing/2010/main" xmlns="" w="9525">
                     <a:solidFill>
                       <a:srgbClr val="000000"/>
                     </a:solidFill>
@@ -10882,7 +10882,7 @@
               </a:ln>
               <a:extLst>
                 <a:ext uri="{91240B29-F687-4f45-9708-019B960494DF}">
-                  <a14:hiddenLine xmlns="" xmlns:a14="http://schemas.microsoft.com/office/drawing/2010/main" w="9525">
+                  <a14:hiddenLine xmlns:a14="http://schemas.microsoft.com/office/drawing/2010/main" xmlns="" w="9525">
                     <a:solidFill>
                       <a:srgbClr val="000000"/>
                     </a:solidFill>
@@ -11002,7 +11002,7 @@
               </a:ln>
               <a:extLst>
                 <a:ext uri="{91240B29-F687-4f45-9708-019B960494DF}">
-                  <a14:hiddenLine xmlns="" xmlns:a14="http://schemas.microsoft.com/office/drawing/2010/main" w="9525">
+                  <a14:hiddenLine xmlns:a14="http://schemas.microsoft.com/office/drawing/2010/main" xmlns="" w="9525">
                     <a:solidFill>
                       <a:srgbClr val="000000"/>
                     </a:solidFill>
@@ -11100,7 +11100,7 @@
               </a:ln>
               <a:extLst>
                 <a:ext uri="{91240B29-F687-4f45-9708-019B960494DF}">
-                  <a14:hiddenLine xmlns="" xmlns:a14="http://schemas.microsoft.com/office/drawing/2010/main" w="9525">
+                  <a14:hiddenLine xmlns:a14="http://schemas.microsoft.com/office/drawing/2010/main" xmlns="" w="9525">
                     <a:solidFill>
                       <a:srgbClr val="000000"/>
                     </a:solidFill>
@@ -11215,7 +11215,7 @@
               </a:ln>
               <a:extLst>
                 <a:ext uri="{91240B29-F687-4f45-9708-019B960494DF}">
-                  <a14:hiddenLine xmlns="" xmlns:a14="http://schemas.microsoft.com/office/drawing/2010/main" w="9525">
+                  <a14:hiddenLine xmlns:a14="http://schemas.microsoft.com/office/drawing/2010/main" xmlns="" w="9525">
                     <a:solidFill>
                       <a:srgbClr val="000000"/>
                     </a:solidFill>
@@ -11305,7 +11305,7 @@
               </a:ln>
               <a:extLst>
                 <a:ext uri="{91240B29-F687-4f45-9708-019B960494DF}">
-                  <a14:hiddenLine xmlns="" xmlns:a14="http://schemas.microsoft.com/office/drawing/2010/main" w="9525">
+                  <a14:hiddenLine xmlns:a14="http://schemas.microsoft.com/office/drawing/2010/main" xmlns="" w="9525">
                     <a:solidFill>
                       <a:srgbClr val="000000"/>
                     </a:solidFill>
@@ -11370,7 +11370,7 @@
               </a:ln>
               <a:extLst>
                 <a:ext uri="{91240B29-F687-4f45-9708-019B960494DF}">
-                  <a14:hiddenLine xmlns="" xmlns:a14="http://schemas.microsoft.com/office/drawing/2010/main" w="9525">
+                  <a14:hiddenLine xmlns:a14="http://schemas.microsoft.com/office/drawing/2010/main" xmlns="" w="9525">
                     <a:solidFill>
                       <a:srgbClr val="000000"/>
                     </a:solidFill>
@@ -11460,7 +11460,7 @@
               </a:ln>
               <a:extLst>
                 <a:ext uri="{91240B29-F687-4f45-9708-019B960494DF}">
-                  <a14:hiddenLine xmlns="" xmlns:a14="http://schemas.microsoft.com/office/drawing/2010/main" w="9525">
+                  <a14:hiddenLine xmlns:a14="http://schemas.microsoft.com/office/drawing/2010/main" xmlns="" w="9525">
                     <a:solidFill>
                       <a:srgbClr val="000000"/>
                     </a:solidFill>
@@ -11528,7 +11528,7 @@
               </a:ln>
               <a:extLst>
                 <a:ext uri="{91240B29-F687-4f45-9708-019B960494DF}">
-                  <a14:hiddenLine xmlns="" xmlns:a14="http://schemas.microsoft.com/office/drawing/2010/main" w="9525">
+                  <a14:hiddenLine xmlns:a14="http://schemas.microsoft.com/office/drawing/2010/main" xmlns="" w="9525">
                     <a:solidFill>
                       <a:srgbClr val="000000"/>
                     </a:solidFill>
@@ -11618,7 +11618,7 @@
               </a:ln>
               <a:extLst>
                 <a:ext uri="{91240B29-F687-4f45-9708-019B960494DF}">
-                  <a14:hiddenLine xmlns="" xmlns:a14="http://schemas.microsoft.com/office/drawing/2010/main" w="9525">
+                  <a14:hiddenLine xmlns:a14="http://schemas.microsoft.com/office/drawing/2010/main" xmlns="" w="9525">
                     <a:solidFill>
                       <a:srgbClr val="000000"/>
                     </a:solidFill>
@@ -11686,7 +11686,7 @@
               </a:ln>
               <a:extLst>
                 <a:ext uri="{91240B29-F687-4f45-9708-019B960494DF}">
-                  <a14:hiddenLine xmlns="" xmlns:a14="http://schemas.microsoft.com/office/drawing/2010/main" w="9525">
+                  <a14:hiddenLine xmlns:a14="http://schemas.microsoft.com/office/drawing/2010/main" xmlns="" w="9525">
                     <a:solidFill>
                       <a:srgbClr val="000000"/>
                     </a:solidFill>
@@ -11776,7 +11776,7 @@
               </a:ln>
               <a:extLst>
                 <a:ext uri="{91240B29-F687-4f45-9708-019B960494DF}">
-                  <a14:hiddenLine xmlns="" xmlns:a14="http://schemas.microsoft.com/office/drawing/2010/main" w="9525">
+                  <a14:hiddenLine xmlns:a14="http://schemas.microsoft.com/office/drawing/2010/main" xmlns="" w="9525">
                     <a:solidFill>
                       <a:srgbClr val="000000"/>
                     </a:solidFill>
@@ -11810,7 +11810,7 @@
               </a:ln>
               <a:extLst>
                 <a:ext uri="{91240B29-F687-4f45-9708-019B960494DF}">
-                  <a14:hiddenLine xmlns="" xmlns:a14="http://schemas.microsoft.com/office/drawing/2010/main" w="9525">
+                  <a14:hiddenLine xmlns:a14="http://schemas.microsoft.com/office/drawing/2010/main" xmlns="" w="9525">
                     <a:solidFill>
                       <a:srgbClr val="000000"/>
                     </a:solidFill>
@@ -11951,7 +11951,7 @@
             <a:fld id="{48A87A34-81AB-432B-8DAE-1953F412C126}" type="datetimeFigureOut">
               <a:rPr lang="en-US" dirty="0"/>
               <a:pPr/>
-              <a:t>9/10/2019</a:t>
+              <a:t>9/13/2019</a:t>
             </a:fld>
             <a:endParaRPr lang="en-US" dirty="0"/>
           </a:p>
@@ -12786,7 +12786,10 @@
           <a:bodyPr/>
           <a:lstStyle/>
           <a:p>
-            <a:endParaRPr lang="en-US" dirty="0"/>
+            <a:r>
+              <a:rPr lang="en-US" dirty="0"/>
+              <a:t>Some algorithms don’t support multilabel classification (pg. 102)</a:t>
+            </a:r>
           </a:p>
         </p:txBody>
       </p:sp>

--- a/chapter_3/chapter_3.pptx
+++ b/chapter_3/chapter_3.pptx
@@ -10,7 +10,11 @@
     <p:sldId id="260" r:id="rId4"/>
     <p:sldId id="261" r:id="rId5"/>
     <p:sldId id="258" r:id="rId6"/>
-    <p:sldId id="257" r:id="rId7"/>
+    <p:sldId id="262" r:id="rId7"/>
+    <p:sldId id="263" r:id="rId8"/>
+    <p:sldId id="264" r:id="rId9"/>
+    <p:sldId id="265" r:id="rId10"/>
+    <p:sldId id="257" r:id="rId11"/>
   </p:sldIdLst>
   <p:sldSz cx="12192000" cy="6858000"/>
   <p:notesSz cx="6858000" cy="9144000"/>
@@ -174,7 +178,7 @@
           <a:noFill/>
           <a:extLst>
             <a:ext uri="{909E8E84-426E-40dd-AFC4-6F175D3DCCD1}">
-              <a14:hiddenFill xmlns:a14="http://schemas.microsoft.com/office/drawing/2010/main" xmlns="">
+              <a14:hiddenFill xmlns="" xmlns:a14="http://schemas.microsoft.com/office/drawing/2010/main">
                 <a:solidFill>
                   <a:srgbClr val="FFFFFF"/>
                 </a:solidFill>
@@ -234,7 +238,7 @@
             </a:ln>
             <a:extLst>
               <a:ext uri="{91240B29-F687-4f45-9708-019B960494DF}">
-                <a14:hiddenLine xmlns:a14="http://schemas.microsoft.com/office/drawing/2010/main" xmlns="" w="9525">
+                <a14:hiddenLine xmlns="" xmlns:a14="http://schemas.microsoft.com/office/drawing/2010/main" w="9525">
                   <a:solidFill>
                     <a:srgbClr val="000000"/>
                   </a:solidFill>
@@ -324,7 +328,7 @@
             </a:ln>
             <a:extLst>
               <a:ext uri="{91240B29-F687-4f45-9708-019B960494DF}">
-                <a14:hiddenLine xmlns:a14="http://schemas.microsoft.com/office/drawing/2010/main" xmlns="" w="9525">
+                <a14:hiddenLine xmlns="" xmlns:a14="http://schemas.microsoft.com/office/drawing/2010/main" w="9525">
                   <a:solidFill>
                     <a:srgbClr val="000000"/>
                   </a:solidFill>
@@ -414,7 +418,7 @@
             </a:ln>
             <a:extLst>
               <a:ext uri="{91240B29-F687-4f45-9708-019B960494DF}">
-                <a14:hiddenLine xmlns:a14="http://schemas.microsoft.com/office/drawing/2010/main" xmlns="" w="9525">
+                <a14:hiddenLine xmlns="" xmlns:a14="http://schemas.microsoft.com/office/drawing/2010/main" w="9525">
                   <a:solidFill>
                     <a:srgbClr val="000000"/>
                   </a:solidFill>
@@ -448,7 +452,7 @@
             </a:ln>
             <a:extLst>
               <a:ext uri="{91240B29-F687-4f45-9708-019B960494DF}">
-                <a14:hiddenLine xmlns:a14="http://schemas.microsoft.com/office/drawing/2010/main" xmlns="" w="9525">
+                <a14:hiddenLine xmlns="" xmlns:a14="http://schemas.microsoft.com/office/drawing/2010/main" w="9525">
                   <a:solidFill>
                     <a:srgbClr val="000000"/>
                   </a:solidFill>
@@ -538,7 +542,7 @@
             </a:ln>
             <a:extLst>
               <a:ext uri="{91240B29-F687-4f45-9708-019B960494DF}">
-                <a14:hiddenLine xmlns:a14="http://schemas.microsoft.com/office/drawing/2010/main" xmlns="" w="9525">
+                <a14:hiddenLine xmlns="" xmlns:a14="http://schemas.microsoft.com/office/drawing/2010/main" w="9525">
                   <a:solidFill>
                     <a:srgbClr val="000000"/>
                   </a:solidFill>
@@ -600,7 +604,7 @@
             </a:ln>
             <a:extLst>
               <a:ext uri="{91240B29-F687-4f45-9708-019B960494DF}">
-                <a14:hiddenLine xmlns:a14="http://schemas.microsoft.com/office/drawing/2010/main" xmlns="" w="9525">
+                <a14:hiddenLine xmlns="" xmlns:a14="http://schemas.microsoft.com/office/drawing/2010/main" w="9525">
                   <a:solidFill>
                     <a:srgbClr val="000000"/>
                   </a:solidFill>
@@ -662,7 +666,7 @@
             </a:ln>
             <a:extLst>
               <a:ext uri="{91240B29-F687-4f45-9708-019B960494DF}">
-                <a14:hiddenLine xmlns:a14="http://schemas.microsoft.com/office/drawing/2010/main" xmlns="" w="9525">
+                <a14:hiddenLine xmlns="" xmlns:a14="http://schemas.microsoft.com/office/drawing/2010/main" w="9525">
                   <a:solidFill>
                     <a:srgbClr val="000000"/>
                   </a:solidFill>
@@ -752,7 +756,7 @@
             </a:ln>
             <a:extLst>
               <a:ext uri="{91240B29-F687-4f45-9708-019B960494DF}">
-                <a14:hiddenLine xmlns:a14="http://schemas.microsoft.com/office/drawing/2010/main" xmlns="" w="9525">
+                <a14:hiddenLine xmlns="" xmlns:a14="http://schemas.microsoft.com/office/drawing/2010/main" w="9525">
                   <a:solidFill>
                     <a:srgbClr val="000000"/>
                   </a:solidFill>
@@ -814,7 +818,7 @@
             </a:ln>
             <a:extLst>
               <a:ext uri="{91240B29-F687-4f45-9708-019B960494DF}">
-                <a14:hiddenLine xmlns:a14="http://schemas.microsoft.com/office/drawing/2010/main" xmlns="" w="9525">
+                <a14:hiddenLine xmlns="" xmlns:a14="http://schemas.microsoft.com/office/drawing/2010/main" w="9525">
                   <a:solidFill>
                     <a:srgbClr val="000000"/>
                   </a:solidFill>
@@ -876,7 +880,7 @@
             </a:ln>
             <a:extLst>
               <a:ext uri="{91240B29-F687-4f45-9708-019B960494DF}">
-                <a14:hiddenLine xmlns:a14="http://schemas.microsoft.com/office/drawing/2010/main" xmlns="" w="9525">
+                <a14:hiddenLine xmlns="" xmlns:a14="http://schemas.microsoft.com/office/drawing/2010/main" w="9525">
                   <a:solidFill>
                     <a:srgbClr val="000000"/>
                   </a:solidFill>
@@ -966,7 +970,7 @@
             </a:ln>
             <a:extLst>
               <a:ext uri="{91240B29-F687-4f45-9708-019B960494DF}">
-                <a14:hiddenLine xmlns:a14="http://schemas.microsoft.com/office/drawing/2010/main" xmlns="" w="9525">
+                <a14:hiddenLine xmlns="" xmlns:a14="http://schemas.microsoft.com/office/drawing/2010/main" w="9525">
                   <a:solidFill>
                     <a:srgbClr val="000000"/>
                   </a:solidFill>
@@ -1056,7 +1060,7 @@
             </a:ln>
             <a:extLst>
               <a:ext uri="{91240B29-F687-4f45-9708-019B960494DF}">
-                <a14:hiddenLine xmlns:a14="http://schemas.microsoft.com/office/drawing/2010/main" xmlns="" w="9525">
+                <a14:hiddenLine xmlns="" xmlns:a14="http://schemas.microsoft.com/office/drawing/2010/main" w="9525">
                   <a:solidFill>
                     <a:srgbClr val="000000"/>
                   </a:solidFill>
@@ -1118,7 +1122,7 @@
             </a:ln>
             <a:extLst>
               <a:ext uri="{91240B29-F687-4f45-9708-019B960494DF}">
-                <a14:hiddenLine xmlns:a14="http://schemas.microsoft.com/office/drawing/2010/main" xmlns="" w="9525">
+                <a14:hiddenLine xmlns="" xmlns:a14="http://schemas.microsoft.com/office/drawing/2010/main" w="9525">
                   <a:solidFill>
                     <a:srgbClr val="000000"/>
                   </a:solidFill>
@@ -1228,7 +1232,7 @@
             </a:ln>
             <a:extLst>
               <a:ext uri="{91240B29-F687-4f45-9708-019B960494DF}">
-                <a14:hiddenLine xmlns:a14="http://schemas.microsoft.com/office/drawing/2010/main" xmlns="" w="9525">
+                <a14:hiddenLine xmlns="" xmlns:a14="http://schemas.microsoft.com/office/drawing/2010/main" w="9525">
                   <a:solidFill>
                     <a:srgbClr val="000000"/>
                   </a:solidFill>
@@ -1290,7 +1294,7 @@
             </a:ln>
             <a:extLst>
               <a:ext uri="{91240B29-F687-4f45-9708-019B960494DF}">
-                <a14:hiddenLine xmlns:a14="http://schemas.microsoft.com/office/drawing/2010/main" xmlns="" w="9525">
+                <a14:hiddenLine xmlns="" xmlns:a14="http://schemas.microsoft.com/office/drawing/2010/main" w="9525">
                   <a:solidFill>
                     <a:srgbClr val="000000"/>
                   </a:solidFill>
@@ -1380,7 +1384,7 @@
             </a:ln>
             <a:extLst>
               <a:ext uri="{91240B29-F687-4f45-9708-019B960494DF}">
-                <a14:hiddenLine xmlns:a14="http://schemas.microsoft.com/office/drawing/2010/main" xmlns="" w="9525">
+                <a14:hiddenLine xmlns="" xmlns:a14="http://schemas.microsoft.com/office/drawing/2010/main" w="9525">
                   <a:solidFill>
                     <a:srgbClr val="000000"/>
                   </a:solidFill>
@@ -1470,7 +1474,7 @@
             </a:ln>
             <a:extLst>
               <a:ext uri="{91240B29-F687-4f45-9708-019B960494DF}">
-                <a14:hiddenLine xmlns:a14="http://schemas.microsoft.com/office/drawing/2010/main" xmlns="" w="9525">
+                <a14:hiddenLine xmlns="" xmlns:a14="http://schemas.microsoft.com/office/drawing/2010/main" w="9525">
                   <a:solidFill>
                     <a:srgbClr val="000000"/>
                   </a:solidFill>
@@ -1532,7 +1536,7 @@
             </a:ln>
             <a:extLst>
               <a:ext uri="{91240B29-F687-4f45-9708-019B960494DF}">
-                <a14:hiddenLine xmlns:a14="http://schemas.microsoft.com/office/drawing/2010/main" xmlns="" w="9525">
+                <a14:hiddenLine xmlns="" xmlns:a14="http://schemas.microsoft.com/office/drawing/2010/main" w="9525">
                   <a:solidFill>
                     <a:srgbClr val="000000"/>
                   </a:solidFill>
@@ -1622,7 +1626,7 @@
             </a:ln>
             <a:extLst>
               <a:ext uri="{91240B29-F687-4f45-9708-019B960494DF}">
-                <a14:hiddenLine xmlns:a14="http://schemas.microsoft.com/office/drawing/2010/main" xmlns="" w="9525">
+                <a14:hiddenLine xmlns="" xmlns:a14="http://schemas.microsoft.com/office/drawing/2010/main" w="9525">
                   <a:solidFill>
                     <a:srgbClr val="000000"/>
                   </a:solidFill>
@@ -1712,7 +1716,7 @@
             </a:ln>
             <a:extLst>
               <a:ext uri="{91240B29-F687-4f45-9708-019B960494DF}">
-                <a14:hiddenLine xmlns:a14="http://schemas.microsoft.com/office/drawing/2010/main" xmlns="" w="9525">
+                <a14:hiddenLine xmlns="" xmlns:a14="http://schemas.microsoft.com/office/drawing/2010/main" w="9525">
                   <a:solidFill>
                     <a:srgbClr val="000000"/>
                   </a:solidFill>
@@ -1768,7 +1772,7 @@
             </a:ln>
             <a:extLst>
               <a:ext uri="{91240B29-F687-4f45-9708-019B960494DF}">
-                <a14:hiddenLine xmlns:a14="http://schemas.microsoft.com/office/drawing/2010/main" xmlns="" w="9525">
+                <a14:hiddenLine xmlns="" xmlns:a14="http://schemas.microsoft.com/office/drawing/2010/main" w="9525">
                   <a:solidFill>
                     <a:srgbClr val="000000"/>
                   </a:solidFill>
@@ -1858,7 +1862,7 @@
             </a:ln>
             <a:extLst>
               <a:ext uri="{91240B29-F687-4f45-9708-019B960494DF}">
-                <a14:hiddenLine xmlns:a14="http://schemas.microsoft.com/office/drawing/2010/main" xmlns="" w="9525">
+                <a14:hiddenLine xmlns="" xmlns:a14="http://schemas.microsoft.com/office/drawing/2010/main" w="9525">
                   <a:solidFill>
                     <a:srgbClr val="000000"/>
                   </a:solidFill>
@@ -1914,7 +1918,7 @@
             </a:ln>
             <a:extLst>
               <a:ext uri="{91240B29-F687-4f45-9708-019B960494DF}">
-                <a14:hiddenLine xmlns:a14="http://schemas.microsoft.com/office/drawing/2010/main" xmlns="" w="9525">
+                <a14:hiddenLine xmlns="" xmlns:a14="http://schemas.microsoft.com/office/drawing/2010/main" w="9525">
                   <a:solidFill>
                     <a:srgbClr val="000000"/>
                   </a:solidFill>
@@ -2004,7 +2008,7 @@
             </a:ln>
             <a:extLst>
               <a:ext uri="{91240B29-F687-4f45-9708-019B960494DF}">
-                <a14:hiddenLine xmlns:a14="http://schemas.microsoft.com/office/drawing/2010/main" xmlns="" w="9525">
+                <a14:hiddenLine xmlns="" xmlns:a14="http://schemas.microsoft.com/office/drawing/2010/main" w="9525">
                   <a:solidFill>
                     <a:srgbClr val="000000"/>
                   </a:solidFill>
@@ -2072,7 +2076,7 @@
             </a:ln>
             <a:extLst>
               <a:ext uri="{91240B29-F687-4f45-9708-019B960494DF}">
-                <a14:hiddenLine xmlns:a14="http://schemas.microsoft.com/office/drawing/2010/main" xmlns="" w="9525">
+                <a14:hiddenLine xmlns="" xmlns:a14="http://schemas.microsoft.com/office/drawing/2010/main" w="9525">
                   <a:solidFill>
                     <a:srgbClr val="000000"/>
                   </a:solidFill>
@@ -2162,7 +2166,7 @@
             </a:ln>
             <a:extLst>
               <a:ext uri="{91240B29-F687-4f45-9708-019B960494DF}">
-                <a14:hiddenLine xmlns:a14="http://schemas.microsoft.com/office/drawing/2010/main" xmlns="" w="9525">
+                <a14:hiddenLine xmlns="" xmlns:a14="http://schemas.microsoft.com/office/drawing/2010/main" w="9525">
                   <a:solidFill>
                     <a:srgbClr val="000000"/>
                   </a:solidFill>
@@ -2230,7 +2234,7 @@
             </a:ln>
             <a:extLst>
               <a:ext uri="{91240B29-F687-4f45-9708-019B960494DF}">
-                <a14:hiddenLine xmlns:a14="http://schemas.microsoft.com/office/drawing/2010/main" xmlns="" w="9525">
+                <a14:hiddenLine xmlns="" xmlns:a14="http://schemas.microsoft.com/office/drawing/2010/main" w="9525">
                   <a:solidFill>
                     <a:srgbClr val="000000"/>
                   </a:solidFill>
@@ -2320,7 +2324,7 @@
             </a:ln>
             <a:extLst>
               <a:ext uri="{91240B29-F687-4f45-9708-019B960494DF}">
-                <a14:hiddenLine xmlns:a14="http://schemas.microsoft.com/office/drawing/2010/main" xmlns="" w="9525">
+                <a14:hiddenLine xmlns="" xmlns:a14="http://schemas.microsoft.com/office/drawing/2010/main" w="9525">
                   <a:solidFill>
                     <a:srgbClr val="000000"/>
                   </a:solidFill>
@@ -2354,7 +2358,7 @@
             </a:ln>
             <a:extLst>
               <a:ext uri="{91240B29-F687-4f45-9708-019B960494DF}">
-                <a14:hiddenLine xmlns:a14="http://schemas.microsoft.com/office/drawing/2010/main" xmlns="" w="9525">
+                <a14:hiddenLine xmlns="" xmlns:a14="http://schemas.microsoft.com/office/drawing/2010/main" w="9525">
                   <a:solidFill>
                     <a:srgbClr val="000000"/>
                   </a:solidFill>
@@ -2444,7 +2448,7 @@
             </a:ln>
             <a:extLst>
               <a:ext uri="{91240B29-F687-4f45-9708-019B960494DF}">
-                <a14:hiddenLine xmlns:a14="http://schemas.microsoft.com/office/drawing/2010/main" xmlns="" w="9525">
+                <a14:hiddenLine xmlns="" xmlns:a14="http://schemas.microsoft.com/office/drawing/2010/main" w="9525">
                   <a:solidFill>
                     <a:srgbClr val="000000"/>
                   </a:solidFill>
@@ -2506,7 +2510,7 @@
             </a:ln>
             <a:extLst>
               <a:ext uri="{91240B29-F687-4f45-9708-019B960494DF}">
-                <a14:hiddenLine xmlns:a14="http://schemas.microsoft.com/office/drawing/2010/main" xmlns="" w="9525">
+                <a14:hiddenLine xmlns="" xmlns:a14="http://schemas.microsoft.com/office/drawing/2010/main" w="9525">
                   <a:solidFill>
                     <a:srgbClr val="000000"/>
                   </a:solidFill>
@@ -2568,7 +2572,7 @@
             </a:ln>
             <a:extLst>
               <a:ext uri="{91240B29-F687-4f45-9708-019B960494DF}">
-                <a14:hiddenLine xmlns:a14="http://schemas.microsoft.com/office/drawing/2010/main" xmlns="" w="9525">
+                <a14:hiddenLine xmlns="" xmlns:a14="http://schemas.microsoft.com/office/drawing/2010/main" w="9525">
                   <a:solidFill>
                     <a:srgbClr val="000000"/>
                   </a:solidFill>
@@ -2658,7 +2662,7 @@
             </a:ln>
             <a:extLst>
               <a:ext uri="{91240B29-F687-4f45-9708-019B960494DF}">
-                <a14:hiddenLine xmlns:a14="http://schemas.microsoft.com/office/drawing/2010/main" xmlns="" w="9525">
+                <a14:hiddenLine xmlns="" xmlns:a14="http://schemas.microsoft.com/office/drawing/2010/main" w="9525">
                   <a:solidFill>
                     <a:srgbClr val="000000"/>
                   </a:solidFill>
@@ -2726,7 +2730,7 @@
             </a:ln>
             <a:extLst>
               <a:ext uri="{91240B29-F687-4f45-9708-019B960494DF}">
-                <a14:hiddenLine xmlns:a14="http://schemas.microsoft.com/office/drawing/2010/main" xmlns="" w="9525">
+                <a14:hiddenLine xmlns="" xmlns:a14="http://schemas.microsoft.com/office/drawing/2010/main" w="9525">
                   <a:solidFill>
                     <a:srgbClr val="000000"/>
                   </a:solidFill>
@@ -2788,7 +2792,7 @@
             </a:ln>
             <a:extLst>
               <a:ext uri="{91240B29-F687-4f45-9708-019B960494DF}">
-                <a14:hiddenLine xmlns:a14="http://schemas.microsoft.com/office/drawing/2010/main" xmlns="" w="9525">
+                <a14:hiddenLine xmlns="" xmlns:a14="http://schemas.microsoft.com/office/drawing/2010/main" w="9525">
                   <a:solidFill>
                     <a:srgbClr val="000000"/>
                   </a:solidFill>
@@ -2878,7 +2882,7 @@
             </a:ln>
             <a:extLst>
               <a:ext uri="{91240B29-F687-4f45-9708-019B960494DF}">
-                <a14:hiddenLine xmlns:a14="http://schemas.microsoft.com/office/drawing/2010/main" xmlns="" w="9525">
+                <a14:hiddenLine xmlns="" xmlns:a14="http://schemas.microsoft.com/office/drawing/2010/main" w="9525">
                   <a:solidFill>
                     <a:srgbClr val="000000"/>
                   </a:solidFill>
@@ -2940,7 +2944,7 @@
             </a:ln>
             <a:extLst>
               <a:ext uri="{91240B29-F687-4f45-9708-019B960494DF}">
-                <a14:hiddenLine xmlns:a14="http://schemas.microsoft.com/office/drawing/2010/main" xmlns="" w="9525">
+                <a14:hiddenLine xmlns="" xmlns:a14="http://schemas.microsoft.com/office/drawing/2010/main" w="9525">
                   <a:solidFill>
                     <a:srgbClr val="000000"/>
                   </a:solidFill>
@@ -3030,7 +3034,7 @@
             </a:ln>
             <a:extLst>
               <a:ext uri="{91240B29-F687-4f45-9708-019B960494DF}">
-                <a14:hiddenLine xmlns:a14="http://schemas.microsoft.com/office/drawing/2010/main" xmlns="" w="9525">
+                <a14:hiddenLine xmlns="" xmlns:a14="http://schemas.microsoft.com/office/drawing/2010/main" w="9525">
                   <a:solidFill>
                     <a:srgbClr val="000000"/>
                   </a:solidFill>
@@ -3092,7 +3096,7 @@
             </a:ln>
             <a:extLst>
               <a:ext uri="{91240B29-F687-4f45-9708-019B960494DF}">
-                <a14:hiddenLine xmlns:a14="http://schemas.microsoft.com/office/drawing/2010/main" xmlns="" w="9525">
+                <a14:hiddenLine xmlns="" xmlns:a14="http://schemas.microsoft.com/office/drawing/2010/main" w="9525">
                   <a:solidFill>
                     <a:srgbClr val="000000"/>
                   </a:solidFill>
@@ -3182,7 +3186,7 @@
             </a:ln>
             <a:extLst>
               <a:ext uri="{91240B29-F687-4f45-9708-019B960494DF}">
-                <a14:hiddenLine xmlns:a14="http://schemas.microsoft.com/office/drawing/2010/main" xmlns="" w="9525">
+                <a14:hiddenLine xmlns="" xmlns:a14="http://schemas.microsoft.com/office/drawing/2010/main" w="9525">
                   <a:solidFill>
                     <a:srgbClr val="000000"/>
                   </a:solidFill>
@@ -3216,7 +3220,7 @@
             </a:ln>
             <a:extLst>
               <a:ext uri="{91240B29-F687-4f45-9708-019B960494DF}">
-                <a14:hiddenLine xmlns:a14="http://schemas.microsoft.com/office/drawing/2010/main" xmlns="" w="9525">
+                <a14:hiddenLine xmlns="" xmlns:a14="http://schemas.microsoft.com/office/drawing/2010/main" w="9525">
                   <a:solidFill>
                     <a:srgbClr val="000000"/>
                   </a:solidFill>
@@ -3281,7 +3285,7 @@
             </a:ln>
             <a:extLst>
               <a:ext uri="{91240B29-F687-4f45-9708-019B960494DF}">
-                <a14:hiddenLine xmlns:a14="http://schemas.microsoft.com/office/drawing/2010/main" xmlns="" w="9525">
+                <a14:hiddenLine xmlns="" xmlns:a14="http://schemas.microsoft.com/office/drawing/2010/main" w="9525">
                   <a:solidFill>
                     <a:srgbClr val="000000"/>
                   </a:solidFill>
@@ -3371,7 +3375,7 @@
             </a:ln>
             <a:extLst>
               <a:ext uri="{91240B29-F687-4f45-9708-019B960494DF}">
-                <a14:hiddenLine xmlns:a14="http://schemas.microsoft.com/office/drawing/2010/main" xmlns="" w="9525">
+                <a14:hiddenLine xmlns="" xmlns:a14="http://schemas.microsoft.com/office/drawing/2010/main" w="9525">
                   <a:solidFill>
                     <a:srgbClr val="000000"/>
                   </a:solidFill>
@@ -3433,7 +3437,7 @@
             </a:ln>
             <a:extLst>
               <a:ext uri="{91240B29-F687-4f45-9708-019B960494DF}">
-                <a14:hiddenLine xmlns:a14="http://schemas.microsoft.com/office/drawing/2010/main" xmlns="" w="9525">
+                <a14:hiddenLine xmlns="" xmlns:a14="http://schemas.microsoft.com/office/drawing/2010/main" w="9525">
                   <a:solidFill>
                     <a:srgbClr val="000000"/>
                   </a:solidFill>
@@ -3523,7 +3527,7 @@
             </a:ln>
             <a:extLst>
               <a:ext uri="{91240B29-F687-4f45-9708-019B960494DF}">
-                <a14:hiddenLine xmlns:a14="http://schemas.microsoft.com/office/drawing/2010/main" xmlns="" w="9525">
+                <a14:hiddenLine xmlns="" xmlns:a14="http://schemas.microsoft.com/office/drawing/2010/main" w="9525">
                   <a:solidFill>
                     <a:srgbClr val="000000"/>
                   </a:solidFill>
@@ -3613,7 +3617,7 @@
             </a:ln>
             <a:extLst>
               <a:ext uri="{91240B29-F687-4f45-9708-019B960494DF}">
-                <a14:hiddenLine xmlns:a14="http://schemas.microsoft.com/office/drawing/2010/main" xmlns="" w="9525">
+                <a14:hiddenLine xmlns="" xmlns:a14="http://schemas.microsoft.com/office/drawing/2010/main" w="9525">
                   <a:solidFill>
                     <a:srgbClr val="000000"/>
                   </a:solidFill>
@@ -3678,7 +3682,7 @@
             </a:ln>
             <a:extLst>
               <a:ext uri="{91240B29-F687-4f45-9708-019B960494DF}">
-                <a14:hiddenLine xmlns:a14="http://schemas.microsoft.com/office/drawing/2010/main" xmlns="" w="9525">
+                <a14:hiddenLine xmlns="" xmlns:a14="http://schemas.microsoft.com/office/drawing/2010/main" w="9525">
                   <a:solidFill>
                     <a:srgbClr val="000000"/>
                   </a:solidFill>
@@ -3740,7 +3744,7 @@
             </a:ln>
             <a:extLst>
               <a:ext uri="{91240B29-F687-4f45-9708-019B960494DF}">
-                <a14:hiddenLine xmlns:a14="http://schemas.microsoft.com/office/drawing/2010/main" xmlns="" w="9525">
+                <a14:hiddenLine xmlns="" xmlns:a14="http://schemas.microsoft.com/office/drawing/2010/main" w="9525">
                   <a:solidFill>
                     <a:srgbClr val="000000"/>
                   </a:solidFill>
@@ -3830,7 +3834,7 @@
             </a:ln>
             <a:extLst>
               <a:ext uri="{91240B29-F687-4f45-9708-019B960494DF}">
-                <a14:hiddenLine xmlns:a14="http://schemas.microsoft.com/office/drawing/2010/main" xmlns="" w="9525">
+                <a14:hiddenLine xmlns="" xmlns:a14="http://schemas.microsoft.com/office/drawing/2010/main" w="9525">
                   <a:solidFill>
                     <a:srgbClr val="000000"/>
                   </a:solidFill>
@@ -3920,7 +3924,7 @@
             </a:ln>
             <a:extLst>
               <a:ext uri="{91240B29-F687-4f45-9708-019B960494DF}">
-                <a14:hiddenLine xmlns:a14="http://schemas.microsoft.com/office/drawing/2010/main" xmlns="" w="9525">
+                <a14:hiddenLine xmlns="" xmlns:a14="http://schemas.microsoft.com/office/drawing/2010/main" w="9525">
                   <a:solidFill>
                     <a:srgbClr val="000000"/>
                   </a:solidFill>
@@ -3982,7 +3986,7 @@
             </a:ln>
             <a:extLst>
               <a:ext uri="{91240B29-F687-4f45-9708-019B960494DF}">
-                <a14:hiddenLine xmlns:a14="http://schemas.microsoft.com/office/drawing/2010/main" xmlns="" w="9525">
+                <a14:hiddenLine xmlns="" xmlns:a14="http://schemas.microsoft.com/office/drawing/2010/main" w="9525">
                   <a:solidFill>
                     <a:srgbClr val="000000"/>
                   </a:solidFill>
@@ -4102,7 +4106,7 @@
             </a:ln>
             <a:extLst>
               <a:ext uri="{91240B29-F687-4f45-9708-019B960494DF}">
-                <a14:hiddenLine xmlns:a14="http://schemas.microsoft.com/office/drawing/2010/main" xmlns="" w="9525">
+                <a14:hiddenLine xmlns="" xmlns:a14="http://schemas.microsoft.com/office/drawing/2010/main" w="9525">
                   <a:solidFill>
                     <a:srgbClr val="000000"/>
                   </a:solidFill>
@@ -4170,7 +4174,7 @@
             </a:ln>
             <a:extLst>
               <a:ext uri="{91240B29-F687-4f45-9708-019B960494DF}">
-                <a14:hiddenLine xmlns:a14="http://schemas.microsoft.com/office/drawing/2010/main" xmlns="" w="9525">
+                <a14:hiddenLine xmlns="" xmlns:a14="http://schemas.microsoft.com/office/drawing/2010/main" w="9525">
                   <a:solidFill>
                     <a:srgbClr val="000000"/>
                   </a:solidFill>
@@ -4260,7 +4264,7 @@
             </a:ln>
             <a:extLst>
               <a:ext uri="{91240B29-F687-4f45-9708-019B960494DF}">
-                <a14:hiddenLine xmlns:a14="http://schemas.microsoft.com/office/drawing/2010/main" xmlns="" w="9525">
+                <a14:hiddenLine xmlns="" xmlns:a14="http://schemas.microsoft.com/office/drawing/2010/main" w="9525">
                   <a:solidFill>
                     <a:srgbClr val="000000"/>
                   </a:solidFill>
@@ -4400,7 +4404,7 @@
           <a:p>
             <a:fld id="{48A87A34-81AB-432B-8DAE-1953F412C126}" type="datetimeFigureOut">
               <a:rPr lang="en-US" dirty="0"/>
-              <a:t>9/13/2019</a:t>
+              <a:t>9/15/2019</a:t>
             </a:fld>
             <a:endParaRPr lang="en-US" dirty="0"/>
           </a:p>
@@ -4662,7 +4666,7 @@
           <a:p>
             <a:fld id="{48A87A34-81AB-432B-8DAE-1953F412C126}" type="datetimeFigureOut">
               <a:rPr lang="en-US" dirty="0"/>
-              <a:t>9/13/2019</a:t>
+              <a:t>9/15/2019</a:t>
             </a:fld>
             <a:endParaRPr lang="en-US" dirty="0"/>
           </a:p>
@@ -4853,7 +4857,7 @@
           <a:p>
             <a:fld id="{48A87A34-81AB-432B-8DAE-1953F412C126}" type="datetimeFigureOut">
               <a:rPr lang="en-US" dirty="0"/>
-              <a:t>9/13/2019</a:t>
+              <a:t>9/15/2019</a:t>
             </a:fld>
             <a:endParaRPr lang="en-US" dirty="0"/>
           </a:p>
@@ -5111,7 +5115,7 @@
           <a:p>
             <a:fld id="{48A87A34-81AB-432B-8DAE-1953F412C126}" type="datetimeFigureOut">
               <a:rPr lang="en-US" dirty="0"/>
-              <a:t>9/13/2019</a:t>
+              <a:t>9/15/2019</a:t>
             </a:fld>
             <a:endParaRPr lang="en-US" dirty="0"/>
           </a:p>
@@ -5540,7 +5544,7 @@
           <a:p>
             <a:fld id="{48A87A34-81AB-432B-8DAE-1953F412C126}" type="datetimeFigureOut">
               <a:rPr lang="en-US" dirty="0"/>
-              <a:t>9/13/2019</a:t>
+              <a:t>9/15/2019</a:t>
             </a:fld>
             <a:endParaRPr lang="en-US" dirty="0"/>
           </a:p>
@@ -6081,7 +6085,7 @@
           <a:p>
             <a:fld id="{48A87A34-81AB-432B-8DAE-1953F412C126}" type="datetimeFigureOut">
               <a:rPr lang="en-US" dirty="0"/>
-              <a:t>9/13/2019</a:t>
+              <a:t>9/15/2019</a:t>
             </a:fld>
             <a:endParaRPr lang="en-US" dirty="0"/>
           </a:p>
@@ -6796,7 +6800,7 @@
           <a:p>
             <a:fld id="{48A87A34-81AB-432B-8DAE-1953F412C126}" type="datetimeFigureOut">
               <a:rPr lang="en-US" dirty="0"/>
-              <a:t>9/13/2019</a:t>
+              <a:t>9/15/2019</a:t>
             </a:fld>
             <a:endParaRPr lang="en-US" dirty="0"/>
           </a:p>
@@ -6961,7 +6965,7 @@
           <a:p>
             <a:fld id="{48A87A34-81AB-432B-8DAE-1953F412C126}" type="datetimeFigureOut">
               <a:rPr lang="en-US" dirty="0"/>
-              <a:t>9/13/2019</a:t>
+              <a:t>9/15/2019</a:t>
             </a:fld>
             <a:endParaRPr lang="en-US" dirty="0"/>
           </a:p>
@@ -7136,7 +7140,7 @@
           <a:p>
             <a:fld id="{48A87A34-81AB-432B-8DAE-1953F412C126}" type="datetimeFigureOut">
               <a:rPr lang="en-US" dirty="0"/>
-              <a:t>9/13/2019</a:t>
+              <a:t>9/15/2019</a:t>
             </a:fld>
             <a:endParaRPr lang="en-US" dirty="0"/>
           </a:p>
@@ -7301,7 +7305,7 @@
           <a:p>
             <a:fld id="{48A87A34-81AB-432B-8DAE-1953F412C126}" type="datetimeFigureOut">
               <a:rPr lang="en-US" dirty="0"/>
-              <a:t>9/13/2019</a:t>
+              <a:t>9/15/2019</a:t>
             </a:fld>
             <a:endParaRPr lang="en-US" dirty="0"/>
           </a:p>
@@ -7546,7 +7550,7 @@
           <a:p>
             <a:fld id="{48A87A34-81AB-432B-8DAE-1953F412C126}" type="datetimeFigureOut">
               <a:rPr lang="en-US" dirty="0"/>
-              <a:t>9/13/2019</a:t>
+              <a:t>9/15/2019</a:t>
             </a:fld>
             <a:endParaRPr lang="en-US" dirty="0"/>
           </a:p>
@@ -7773,7 +7777,7 @@
           <a:p>
             <a:fld id="{48A87A34-81AB-432B-8DAE-1953F412C126}" type="datetimeFigureOut">
               <a:rPr lang="en-US" dirty="0"/>
-              <a:t>9/13/2019</a:t>
+              <a:t>9/15/2019</a:t>
             </a:fld>
             <a:endParaRPr lang="en-US" dirty="0"/>
           </a:p>
@@ -8149,7 +8153,7 @@
           <a:p>
             <a:fld id="{48A87A34-81AB-432B-8DAE-1953F412C126}" type="datetimeFigureOut">
               <a:rPr lang="en-US" dirty="0"/>
-              <a:t>9/13/2019</a:t>
+              <a:t>9/15/2019</a:t>
             </a:fld>
             <a:endParaRPr lang="en-US" dirty="0"/>
           </a:p>
@@ -8262,7 +8266,7 @@
           <a:p>
             <a:fld id="{48A87A34-81AB-432B-8DAE-1953F412C126}" type="datetimeFigureOut">
               <a:rPr lang="en-US" dirty="0"/>
-              <a:t>9/13/2019</a:t>
+              <a:t>9/15/2019</a:t>
             </a:fld>
             <a:endParaRPr lang="en-US" dirty="0"/>
           </a:p>
@@ -8352,7 +8356,7 @@
           <a:p>
             <a:fld id="{48A87A34-81AB-432B-8DAE-1953F412C126}" type="datetimeFigureOut">
               <a:rPr lang="en-US" dirty="0"/>
-              <a:t>9/13/2019</a:t>
+              <a:t>9/15/2019</a:t>
             </a:fld>
             <a:endParaRPr lang="en-US" dirty="0"/>
           </a:p>
@@ -8596,7 +8600,7 @@
           <a:p>
             <a:fld id="{48A87A34-81AB-432B-8DAE-1953F412C126}" type="datetimeFigureOut">
               <a:rPr lang="en-US" dirty="0"/>
-              <a:t>9/13/2019</a:t>
+              <a:t>9/15/2019</a:t>
             </a:fld>
             <a:endParaRPr lang="en-US" dirty="0"/>
           </a:p>
@@ -8871,7 +8875,7 @@
           <a:p>
             <a:fld id="{48A87A34-81AB-432B-8DAE-1953F412C126}" type="datetimeFigureOut">
               <a:rPr lang="en-US" dirty="0"/>
-              <a:t>9/13/2019</a:t>
+              <a:t>9/15/2019</a:t>
             </a:fld>
             <a:endParaRPr lang="en-US" dirty="0"/>
           </a:p>
@@ -8989,7 +8993,7 @@
           <a:noFill/>
           <a:extLst>
             <a:ext uri="{909E8E84-426E-40dd-AFC4-6F175D3DCCD1}">
-              <a14:hiddenFill xmlns:a14="http://schemas.microsoft.com/office/drawing/2010/main" xmlns="">
+              <a14:hiddenFill xmlns="" xmlns:a14="http://schemas.microsoft.com/office/drawing/2010/main">
                 <a:solidFill>
                   <a:srgbClr val="FFFFFF"/>
                 </a:solidFill>
@@ -9063,7 +9067,7 @@
               </a:ln>
               <a:extLst>
                 <a:ext uri="{91240B29-F687-4f45-9708-019B960494DF}">
-                  <a14:hiddenLine xmlns:a14="http://schemas.microsoft.com/office/drawing/2010/main" xmlns="" w="9525">
+                  <a14:hiddenLine xmlns="" xmlns:a14="http://schemas.microsoft.com/office/drawing/2010/main" w="9525">
                     <a:solidFill>
                       <a:srgbClr val="000000"/>
                     </a:solidFill>
@@ -9153,7 +9157,7 @@
               </a:ln>
               <a:extLst>
                 <a:ext uri="{91240B29-F687-4f45-9708-019B960494DF}">
-                  <a14:hiddenLine xmlns:a14="http://schemas.microsoft.com/office/drawing/2010/main" xmlns="" w="9525">
+                  <a14:hiddenLine xmlns="" xmlns:a14="http://schemas.microsoft.com/office/drawing/2010/main" w="9525">
                     <a:solidFill>
                       <a:srgbClr val="000000"/>
                     </a:solidFill>
@@ -9243,7 +9247,7 @@
               </a:ln>
               <a:extLst>
                 <a:ext uri="{91240B29-F687-4f45-9708-019B960494DF}">
-                  <a14:hiddenLine xmlns:a14="http://schemas.microsoft.com/office/drawing/2010/main" xmlns="" w="9525">
+                  <a14:hiddenLine xmlns="" xmlns:a14="http://schemas.microsoft.com/office/drawing/2010/main" w="9525">
                     <a:solidFill>
                       <a:srgbClr val="000000"/>
                     </a:solidFill>
@@ -9305,7 +9309,7 @@
               </a:ln>
               <a:extLst>
                 <a:ext uri="{91240B29-F687-4f45-9708-019B960494DF}">
-                  <a14:hiddenLine xmlns:a14="http://schemas.microsoft.com/office/drawing/2010/main" xmlns="" w="9525">
+                  <a14:hiddenLine xmlns="" xmlns:a14="http://schemas.microsoft.com/office/drawing/2010/main" w="9525">
                     <a:solidFill>
                       <a:srgbClr val="000000"/>
                     </a:solidFill>
@@ -9395,7 +9399,7 @@
               </a:ln>
               <a:extLst>
                 <a:ext uri="{91240B29-F687-4f45-9708-019B960494DF}">
-                  <a14:hiddenLine xmlns:a14="http://schemas.microsoft.com/office/drawing/2010/main" xmlns="" w="9525">
+                  <a14:hiddenLine xmlns="" xmlns:a14="http://schemas.microsoft.com/office/drawing/2010/main" w="9525">
                     <a:solidFill>
                       <a:srgbClr val="000000"/>
                     </a:solidFill>
@@ -9457,7 +9461,7 @@
               </a:ln>
               <a:extLst>
                 <a:ext uri="{91240B29-F687-4f45-9708-019B960494DF}">
-                  <a14:hiddenLine xmlns:a14="http://schemas.microsoft.com/office/drawing/2010/main" xmlns="" w="9525">
+                  <a14:hiddenLine xmlns="" xmlns:a14="http://schemas.microsoft.com/office/drawing/2010/main" w="9525">
                     <a:solidFill>
                       <a:srgbClr val="000000"/>
                     </a:solidFill>
@@ -9519,7 +9523,7 @@
               </a:ln>
               <a:extLst>
                 <a:ext uri="{91240B29-F687-4f45-9708-019B960494DF}">
-                  <a14:hiddenLine xmlns:a14="http://schemas.microsoft.com/office/drawing/2010/main" xmlns="" w="9525">
+                  <a14:hiddenLine xmlns="" xmlns:a14="http://schemas.microsoft.com/office/drawing/2010/main" w="9525">
                     <a:solidFill>
                       <a:srgbClr val="000000"/>
                     </a:solidFill>
@@ -9609,7 +9613,7 @@
               </a:ln>
               <a:extLst>
                 <a:ext uri="{91240B29-F687-4f45-9708-019B960494DF}">
-                  <a14:hiddenLine xmlns:a14="http://schemas.microsoft.com/office/drawing/2010/main" xmlns="" w="9525">
+                  <a14:hiddenLine xmlns="" xmlns:a14="http://schemas.microsoft.com/office/drawing/2010/main" w="9525">
                     <a:solidFill>
                       <a:srgbClr val="000000"/>
                     </a:solidFill>
@@ -9699,7 +9703,7 @@
               </a:ln>
               <a:extLst>
                 <a:ext uri="{91240B29-F687-4f45-9708-019B960494DF}">
-                  <a14:hiddenLine xmlns:a14="http://schemas.microsoft.com/office/drawing/2010/main" xmlns="" w="9525">
+                  <a14:hiddenLine xmlns="" xmlns:a14="http://schemas.microsoft.com/office/drawing/2010/main" w="9525">
                     <a:solidFill>
                       <a:srgbClr val="000000"/>
                     </a:solidFill>
@@ -9761,7 +9765,7 @@
               </a:ln>
               <a:extLst>
                 <a:ext uri="{91240B29-F687-4f45-9708-019B960494DF}">
-                  <a14:hiddenLine xmlns:a14="http://schemas.microsoft.com/office/drawing/2010/main" xmlns="" w="9525">
+                  <a14:hiddenLine xmlns="" xmlns:a14="http://schemas.microsoft.com/office/drawing/2010/main" w="9525">
                     <a:solidFill>
                       <a:srgbClr val="000000"/>
                     </a:solidFill>
@@ -9871,7 +9875,7 @@
               </a:ln>
               <a:extLst>
                 <a:ext uri="{91240B29-F687-4f45-9708-019B960494DF}">
-                  <a14:hiddenLine xmlns:a14="http://schemas.microsoft.com/office/drawing/2010/main" xmlns="" w="9525">
+                  <a14:hiddenLine xmlns="" xmlns:a14="http://schemas.microsoft.com/office/drawing/2010/main" w="9525">
                     <a:solidFill>
                       <a:srgbClr val="000000"/>
                     </a:solidFill>
@@ -9955,7 +9959,7 @@
               </a:ln>
               <a:extLst>
                 <a:ext uri="{91240B29-F687-4f45-9708-019B960494DF}">
-                  <a14:hiddenLine xmlns:a14="http://schemas.microsoft.com/office/drawing/2010/main" xmlns="" w="9525">
+                  <a14:hiddenLine xmlns="" xmlns:a14="http://schemas.microsoft.com/office/drawing/2010/main" w="9525">
                     <a:solidFill>
                       <a:srgbClr val="000000"/>
                     </a:solidFill>
@@ -10017,7 +10021,7 @@
               </a:ln>
               <a:extLst>
                 <a:ext uri="{91240B29-F687-4f45-9708-019B960494DF}">
-                  <a14:hiddenLine xmlns:a14="http://schemas.microsoft.com/office/drawing/2010/main" xmlns="" w="9525">
+                  <a14:hiddenLine xmlns="" xmlns:a14="http://schemas.microsoft.com/office/drawing/2010/main" w="9525">
                     <a:solidFill>
                       <a:srgbClr val="000000"/>
                     </a:solidFill>
@@ -10079,7 +10083,7 @@
               </a:ln>
               <a:extLst>
                 <a:ext uri="{91240B29-F687-4f45-9708-019B960494DF}">
-                  <a14:hiddenLine xmlns:a14="http://schemas.microsoft.com/office/drawing/2010/main" xmlns="" w="9525">
+                  <a14:hiddenLine xmlns="" xmlns:a14="http://schemas.microsoft.com/office/drawing/2010/main" w="9525">
                     <a:solidFill>
                       <a:srgbClr val="000000"/>
                     </a:solidFill>
@@ -10169,7 +10173,7 @@
               </a:ln>
               <a:extLst>
                 <a:ext uri="{91240B29-F687-4f45-9708-019B960494DF}">
-                  <a14:hiddenLine xmlns:a14="http://schemas.microsoft.com/office/drawing/2010/main" xmlns="" w="9525">
+                  <a14:hiddenLine xmlns="" xmlns:a14="http://schemas.microsoft.com/office/drawing/2010/main" w="9525">
                     <a:solidFill>
                       <a:srgbClr val="000000"/>
                     </a:solidFill>
@@ -10203,7 +10207,7 @@
               </a:ln>
               <a:extLst>
                 <a:ext uri="{91240B29-F687-4f45-9708-019B960494DF}">
-                  <a14:hiddenLine xmlns:a14="http://schemas.microsoft.com/office/drawing/2010/main" xmlns="" w="9525">
+                  <a14:hiddenLine xmlns="" xmlns:a14="http://schemas.microsoft.com/office/drawing/2010/main" w="9525">
                     <a:solidFill>
                       <a:srgbClr val="000000"/>
                     </a:solidFill>
@@ -10268,7 +10272,7 @@
               </a:ln>
               <a:extLst>
                 <a:ext uri="{91240B29-F687-4f45-9708-019B960494DF}">
-                  <a14:hiddenLine xmlns:a14="http://schemas.microsoft.com/office/drawing/2010/main" xmlns="" w="9525">
+                  <a14:hiddenLine xmlns="" xmlns:a14="http://schemas.microsoft.com/office/drawing/2010/main" w="9525">
                     <a:solidFill>
                       <a:srgbClr val="000000"/>
                     </a:solidFill>
@@ -10358,7 +10362,7 @@
               </a:ln>
               <a:extLst>
                 <a:ext uri="{91240B29-F687-4f45-9708-019B960494DF}">
-                  <a14:hiddenLine xmlns:a14="http://schemas.microsoft.com/office/drawing/2010/main" xmlns="" w="9525">
+                  <a14:hiddenLine xmlns="" xmlns:a14="http://schemas.microsoft.com/office/drawing/2010/main" w="9525">
                     <a:solidFill>
                       <a:srgbClr val="000000"/>
                     </a:solidFill>
@@ -10420,7 +10424,7 @@
               </a:ln>
               <a:extLst>
                 <a:ext uri="{91240B29-F687-4f45-9708-019B960494DF}">
-                  <a14:hiddenLine xmlns:a14="http://schemas.microsoft.com/office/drawing/2010/main" xmlns="" w="9525">
+                  <a14:hiddenLine xmlns="" xmlns:a14="http://schemas.microsoft.com/office/drawing/2010/main" w="9525">
                     <a:solidFill>
                       <a:srgbClr val="000000"/>
                     </a:solidFill>
@@ -10510,7 +10514,7 @@
               </a:ln>
               <a:extLst>
                 <a:ext uri="{91240B29-F687-4f45-9708-019B960494DF}">
-                  <a14:hiddenLine xmlns:a14="http://schemas.microsoft.com/office/drawing/2010/main" xmlns="" w="9525">
+                  <a14:hiddenLine xmlns="" xmlns:a14="http://schemas.microsoft.com/office/drawing/2010/main" w="9525">
                     <a:solidFill>
                       <a:srgbClr val="000000"/>
                     </a:solidFill>
@@ -10575,7 +10579,7 @@
               </a:ln>
               <a:extLst>
                 <a:ext uri="{91240B29-F687-4f45-9708-019B960494DF}">
-                  <a14:hiddenLine xmlns:a14="http://schemas.microsoft.com/office/drawing/2010/main" xmlns="" w="9525">
+                  <a14:hiddenLine xmlns="" xmlns:a14="http://schemas.microsoft.com/office/drawing/2010/main" w="9525">
                     <a:solidFill>
                       <a:srgbClr val="000000"/>
                     </a:solidFill>
@@ -10637,7 +10641,7 @@
               </a:ln>
               <a:extLst>
                 <a:ext uri="{91240B29-F687-4f45-9708-019B960494DF}">
-                  <a14:hiddenLine xmlns:a14="http://schemas.microsoft.com/office/drawing/2010/main" xmlns="" w="9525">
+                  <a14:hiddenLine xmlns="" xmlns:a14="http://schemas.microsoft.com/office/drawing/2010/main" w="9525">
                     <a:solidFill>
                       <a:srgbClr val="000000"/>
                     </a:solidFill>
@@ -10727,7 +10731,7 @@
               </a:ln>
               <a:extLst>
                 <a:ext uri="{91240B29-F687-4f45-9708-019B960494DF}">
-                  <a14:hiddenLine xmlns:a14="http://schemas.microsoft.com/office/drawing/2010/main" xmlns="" w="9525">
+                  <a14:hiddenLine xmlns="" xmlns:a14="http://schemas.microsoft.com/office/drawing/2010/main" w="9525">
                     <a:solidFill>
                       <a:srgbClr val="000000"/>
                     </a:solidFill>
@@ -10817,7 +10821,7 @@
               </a:ln>
               <a:extLst>
                 <a:ext uri="{91240B29-F687-4f45-9708-019B960494DF}">
-                  <a14:hiddenLine xmlns:a14="http://schemas.microsoft.com/office/drawing/2010/main" xmlns="" w="9525">
+                  <a14:hiddenLine xmlns="" xmlns:a14="http://schemas.microsoft.com/office/drawing/2010/main" w="9525">
                     <a:solidFill>
                       <a:srgbClr val="000000"/>
                     </a:solidFill>
@@ -10882,7 +10886,7 @@
               </a:ln>
               <a:extLst>
                 <a:ext uri="{91240B29-F687-4f45-9708-019B960494DF}">
-                  <a14:hiddenLine xmlns:a14="http://schemas.microsoft.com/office/drawing/2010/main" xmlns="" w="9525">
+                  <a14:hiddenLine xmlns="" xmlns:a14="http://schemas.microsoft.com/office/drawing/2010/main" w="9525">
                     <a:solidFill>
                       <a:srgbClr val="000000"/>
                     </a:solidFill>
@@ -11002,7 +11006,7 @@
               </a:ln>
               <a:extLst>
                 <a:ext uri="{91240B29-F687-4f45-9708-019B960494DF}">
-                  <a14:hiddenLine xmlns:a14="http://schemas.microsoft.com/office/drawing/2010/main" xmlns="" w="9525">
+                  <a14:hiddenLine xmlns="" xmlns:a14="http://schemas.microsoft.com/office/drawing/2010/main" w="9525">
                     <a:solidFill>
                       <a:srgbClr val="000000"/>
                     </a:solidFill>
@@ -11100,7 +11104,7 @@
               </a:ln>
               <a:extLst>
                 <a:ext uri="{91240B29-F687-4f45-9708-019B960494DF}">
-                  <a14:hiddenLine xmlns:a14="http://schemas.microsoft.com/office/drawing/2010/main" xmlns="" w="9525">
+                  <a14:hiddenLine xmlns="" xmlns:a14="http://schemas.microsoft.com/office/drawing/2010/main" w="9525">
                     <a:solidFill>
                       <a:srgbClr val="000000"/>
                     </a:solidFill>
@@ -11215,7 +11219,7 @@
               </a:ln>
               <a:extLst>
                 <a:ext uri="{91240B29-F687-4f45-9708-019B960494DF}">
-                  <a14:hiddenLine xmlns:a14="http://schemas.microsoft.com/office/drawing/2010/main" xmlns="" w="9525">
+                  <a14:hiddenLine xmlns="" xmlns:a14="http://schemas.microsoft.com/office/drawing/2010/main" w="9525">
                     <a:solidFill>
                       <a:srgbClr val="000000"/>
                     </a:solidFill>
@@ -11305,7 +11309,7 @@
               </a:ln>
               <a:extLst>
                 <a:ext uri="{91240B29-F687-4f45-9708-019B960494DF}">
-                  <a14:hiddenLine xmlns:a14="http://schemas.microsoft.com/office/drawing/2010/main" xmlns="" w="9525">
+                  <a14:hiddenLine xmlns="" xmlns:a14="http://schemas.microsoft.com/office/drawing/2010/main" w="9525">
                     <a:solidFill>
                       <a:srgbClr val="000000"/>
                     </a:solidFill>
@@ -11370,7 +11374,7 @@
               </a:ln>
               <a:extLst>
                 <a:ext uri="{91240B29-F687-4f45-9708-019B960494DF}">
-                  <a14:hiddenLine xmlns:a14="http://schemas.microsoft.com/office/drawing/2010/main" xmlns="" w="9525">
+                  <a14:hiddenLine xmlns="" xmlns:a14="http://schemas.microsoft.com/office/drawing/2010/main" w="9525">
                     <a:solidFill>
                       <a:srgbClr val="000000"/>
                     </a:solidFill>
@@ -11460,7 +11464,7 @@
               </a:ln>
               <a:extLst>
                 <a:ext uri="{91240B29-F687-4f45-9708-019B960494DF}">
-                  <a14:hiddenLine xmlns:a14="http://schemas.microsoft.com/office/drawing/2010/main" xmlns="" w="9525">
+                  <a14:hiddenLine xmlns="" xmlns:a14="http://schemas.microsoft.com/office/drawing/2010/main" w="9525">
                     <a:solidFill>
                       <a:srgbClr val="000000"/>
                     </a:solidFill>
@@ -11528,7 +11532,7 @@
               </a:ln>
               <a:extLst>
                 <a:ext uri="{91240B29-F687-4f45-9708-019B960494DF}">
-                  <a14:hiddenLine xmlns:a14="http://schemas.microsoft.com/office/drawing/2010/main" xmlns="" w="9525">
+                  <a14:hiddenLine xmlns="" xmlns:a14="http://schemas.microsoft.com/office/drawing/2010/main" w="9525">
                     <a:solidFill>
                       <a:srgbClr val="000000"/>
                     </a:solidFill>
@@ -11618,7 +11622,7 @@
               </a:ln>
               <a:extLst>
                 <a:ext uri="{91240B29-F687-4f45-9708-019B960494DF}">
-                  <a14:hiddenLine xmlns:a14="http://schemas.microsoft.com/office/drawing/2010/main" xmlns="" w="9525">
+                  <a14:hiddenLine xmlns="" xmlns:a14="http://schemas.microsoft.com/office/drawing/2010/main" w="9525">
                     <a:solidFill>
                       <a:srgbClr val="000000"/>
                     </a:solidFill>
@@ -11686,7 +11690,7 @@
               </a:ln>
               <a:extLst>
                 <a:ext uri="{91240B29-F687-4f45-9708-019B960494DF}">
-                  <a14:hiddenLine xmlns:a14="http://schemas.microsoft.com/office/drawing/2010/main" xmlns="" w="9525">
+                  <a14:hiddenLine xmlns="" xmlns:a14="http://schemas.microsoft.com/office/drawing/2010/main" w="9525">
                     <a:solidFill>
                       <a:srgbClr val="000000"/>
                     </a:solidFill>
@@ -11776,7 +11780,7 @@
               </a:ln>
               <a:extLst>
                 <a:ext uri="{91240B29-F687-4f45-9708-019B960494DF}">
-                  <a14:hiddenLine xmlns:a14="http://schemas.microsoft.com/office/drawing/2010/main" xmlns="" w="9525">
+                  <a14:hiddenLine xmlns="" xmlns:a14="http://schemas.microsoft.com/office/drawing/2010/main" w="9525">
                     <a:solidFill>
                       <a:srgbClr val="000000"/>
                     </a:solidFill>
@@ -11810,7 +11814,7 @@
               </a:ln>
               <a:extLst>
                 <a:ext uri="{91240B29-F687-4f45-9708-019B960494DF}">
-                  <a14:hiddenLine xmlns:a14="http://schemas.microsoft.com/office/drawing/2010/main" xmlns="" w="9525">
+                  <a14:hiddenLine xmlns="" xmlns:a14="http://schemas.microsoft.com/office/drawing/2010/main" w="9525">
                     <a:solidFill>
                       <a:srgbClr val="000000"/>
                     </a:solidFill>
@@ -11951,7 +11955,7 @@
             <a:fld id="{48A87A34-81AB-432B-8DAE-1953F412C126}" type="datetimeFigureOut">
               <a:rPr lang="en-US" dirty="0"/>
               <a:pPr/>
-              <a:t>9/13/2019</a:t>
+              <a:t>9/15/2019</a:t>
             </a:fld>
             <a:endParaRPr lang="en-US" dirty="0"/>
           </a:p>
@@ -12478,6 +12482,95 @@
 </p:sld>
 </file>
 
+<file path=ppt/slides/slide10.xml><?xml version="1.0" encoding="utf-8"?>
+<p:sld xmlns:a="http://schemas.openxmlformats.org/drawingml/2006/main" xmlns:r="http://schemas.openxmlformats.org/officeDocument/2006/relationships" xmlns:p="http://schemas.openxmlformats.org/presentationml/2006/main">
+  <p:cSld>
+    <p:spTree>
+      <p:nvGrpSpPr>
+        <p:cNvPr id="1" name=""/>
+        <p:cNvGrpSpPr/>
+        <p:nvPr/>
+      </p:nvGrpSpPr>
+      <p:grpSpPr>
+        <a:xfrm>
+          <a:off x="0" y="0"/>
+          <a:ext cx="0" cy="0"/>
+          <a:chOff x="0" y="0"/>
+          <a:chExt cx="0" cy="0"/>
+        </a:xfrm>
+      </p:grpSpPr>
+      <p:sp>
+        <p:nvSpPr>
+          <p:cNvPr id="2" name="Title 1">
+            <a:extLst>
+              <a:ext uri="{FF2B5EF4-FFF2-40B4-BE49-F238E27FC236}">
+                <a16:creationId xmlns:a16="http://schemas.microsoft.com/office/drawing/2014/main" id="{ECF6D2B1-886B-4CE7-A4A2-2883EF79AC2B}"/>
+              </a:ext>
+            </a:extLst>
+          </p:cNvPr>
+          <p:cNvSpPr>
+            <a:spLocks noGrp="1"/>
+          </p:cNvSpPr>
+          <p:nvPr>
+            <p:ph type="title"/>
+          </p:nvPr>
+        </p:nvSpPr>
+        <p:spPr/>
+        <p:txBody>
+          <a:bodyPr/>
+          <a:lstStyle/>
+          <a:p>
+            <a:r>
+              <a:rPr lang="en-US" dirty="0"/>
+              <a:t>Additional Information</a:t>
+            </a:r>
+          </a:p>
+        </p:txBody>
+      </p:sp>
+      <p:sp>
+        <p:nvSpPr>
+          <p:cNvPr id="3" name="Content Placeholder 2">
+            <a:extLst>
+              <a:ext uri="{FF2B5EF4-FFF2-40B4-BE49-F238E27FC236}">
+                <a16:creationId xmlns:a16="http://schemas.microsoft.com/office/drawing/2014/main" id="{4A0A22F7-AFDF-4C0C-8A18-FEAA8FACCA2B}"/>
+              </a:ext>
+            </a:extLst>
+          </p:cNvPr>
+          <p:cNvSpPr>
+            <a:spLocks noGrp="1"/>
+          </p:cNvSpPr>
+          <p:nvPr>
+            <p:ph idx="1"/>
+          </p:nvPr>
+        </p:nvSpPr>
+        <p:spPr/>
+        <p:txBody>
+          <a:bodyPr/>
+          <a:lstStyle/>
+          <a:p>
+            <a:r>
+              <a:rPr lang="en-US">
+                <a:hlinkClick r:id="rId2"/>
+              </a:rPr>
+              <a:t>https://www.kaggle.com/c/digit-recognizer</a:t>
+            </a:r>
+            <a:endParaRPr lang="en-US" dirty="0"/>
+          </a:p>
+        </p:txBody>
+      </p:sp>
+    </p:spTree>
+    <p:extLst>
+      <p:ext uri="{BB962C8B-B14F-4D97-AF65-F5344CB8AC3E}">
+        <p14:creationId xmlns:p14="http://schemas.microsoft.com/office/powerpoint/2010/main" val="3766439604"/>
+      </p:ext>
+    </p:extLst>
+  </p:cSld>
+  <p:clrMapOvr>
+    <a:masterClrMapping/>
+  </p:clrMapOvr>
+</p:sld>
+</file>
+
 <file path=ppt/slides/slide2.xml><?xml version="1.0" encoding="utf-8"?>
 <p:sld xmlns:a="http://schemas.openxmlformats.org/drawingml/2006/main" xmlns:r="http://schemas.openxmlformats.org/officeDocument/2006/relationships" xmlns:p="http://schemas.openxmlformats.org/presentationml/2006/main">
   <p:cSld>
@@ -12869,10 +12962,39 @@
         </p:nvSpPr>
         <p:spPr/>
         <p:txBody>
-          <a:bodyPr/>
+          <a:bodyPr>
+            <a:normAutofit lnSpcReduction="10000"/>
+          </a:bodyPr>
           <a:lstStyle/>
           <a:p>
-            <a:endParaRPr lang="en-US"/>
+            <a:r>
+              <a:rPr lang="en-US" dirty="0"/>
+              <a:t>Binary classifier – A classifier that distinguishes between 2 classes</a:t>
+            </a:r>
+          </a:p>
+          <a:p>
+            <a:r>
+              <a:rPr lang="en-US" dirty="0"/>
+              <a:t>Skewed data sets – Some classes are more frequent than others</a:t>
+            </a:r>
+          </a:p>
+          <a:p>
+            <a:r>
+              <a:rPr lang="en-US" dirty="0"/>
+              <a:t>Confusion matrix – Matrix where each row is an actual class and each column is a predicted class</a:t>
+            </a:r>
+          </a:p>
+          <a:p>
+            <a:r>
+              <a:rPr lang="en-US" dirty="0"/>
+              <a:t>Negative class – not the class the binary classifier is trying to accurately predict</a:t>
+            </a:r>
+          </a:p>
+          <a:p>
+            <a:r>
+              <a:rPr lang="en-US" dirty="0"/>
+              <a:t>Positive class – the class the binary classifier is trying to accurately predict</a:t>
+            </a:r>
           </a:p>
         </p:txBody>
       </p:sp>
@@ -12911,7 +13033,7 @@
           <p:cNvPr id="2" name="Title 1">
             <a:extLst>
               <a:ext uri="{FF2B5EF4-FFF2-40B4-BE49-F238E27FC236}">
-                <a16:creationId xmlns:a16="http://schemas.microsoft.com/office/drawing/2014/main" id="{ECF6D2B1-886B-4CE7-A4A2-2883EF79AC2B}"/>
+                <a16:creationId xmlns:a16="http://schemas.microsoft.com/office/drawing/2014/main" id="{7362AE95-D24D-47F1-9A6B-1BF355A8BC1B}"/>
               </a:ext>
             </a:extLst>
           </p:cNvPr>
@@ -12929,7 +13051,7 @@
           <a:p>
             <a:r>
               <a:rPr lang="en-US" dirty="0"/>
-              <a:t>Additional Information</a:t>
+              <a:t>Vocabulary review</a:t>
             </a:r>
           </a:p>
         </p:txBody>
@@ -12939,7 +13061,297 @@
           <p:cNvPr id="3" name="Content Placeholder 2">
             <a:extLst>
               <a:ext uri="{FF2B5EF4-FFF2-40B4-BE49-F238E27FC236}">
-                <a16:creationId xmlns:a16="http://schemas.microsoft.com/office/drawing/2014/main" id="{4A0A22F7-AFDF-4C0C-8A18-FEAA8FACCA2B}"/>
+                <a16:creationId xmlns:a16="http://schemas.microsoft.com/office/drawing/2014/main" id="{87B88C95-2D3D-420D-8A73-43772EF529AB}"/>
+              </a:ext>
+            </a:extLst>
+          </p:cNvPr>
+          <p:cNvSpPr>
+            <a:spLocks noGrp="1"/>
+          </p:cNvSpPr>
+          <p:nvPr>
+            <p:ph idx="1"/>
+          </p:nvPr>
+        </p:nvSpPr>
+        <p:spPr/>
+        <p:txBody>
+          <a:bodyPr>
+            <a:normAutofit fontScale="92500" lnSpcReduction="10000"/>
+          </a:bodyPr>
+          <a:lstStyle/>
+          <a:p>
+            <a:r>
+              <a:rPr lang="en-US" dirty="0"/>
+              <a:t>True negative – When the binary classifier accurately predicts something as the negative class</a:t>
+            </a:r>
+          </a:p>
+          <a:p>
+            <a:r>
+              <a:rPr lang="en-US" dirty="0"/>
+              <a:t>False positive – When the binary classifier predicts the negative class as the positive class</a:t>
+            </a:r>
+          </a:p>
+          <a:p>
+            <a:r>
+              <a:rPr lang="en-US" dirty="0"/>
+              <a:t>False negative – When the binary classifier predicts the positive class as the negative class</a:t>
+            </a:r>
+          </a:p>
+          <a:p>
+            <a:r>
+              <a:rPr lang="en-US" dirty="0"/>
+              <a:t>True positive – When the binary classifier predicts the positive class as the positive class</a:t>
+            </a:r>
+          </a:p>
+        </p:txBody>
+      </p:sp>
+    </p:spTree>
+    <p:extLst>
+      <p:ext uri="{BB962C8B-B14F-4D97-AF65-F5344CB8AC3E}">
+        <p14:creationId xmlns:p14="http://schemas.microsoft.com/office/powerpoint/2010/main" val="3148533361"/>
+      </p:ext>
+    </p:extLst>
+  </p:cSld>
+  <p:clrMapOvr>
+    <a:masterClrMapping/>
+  </p:clrMapOvr>
+</p:sld>
+</file>
+
+<file path=ppt/slides/slide7.xml><?xml version="1.0" encoding="utf-8"?>
+<p:sld xmlns:a="http://schemas.openxmlformats.org/drawingml/2006/main" xmlns:r="http://schemas.openxmlformats.org/officeDocument/2006/relationships" xmlns:p="http://schemas.openxmlformats.org/presentationml/2006/main">
+  <p:cSld>
+    <p:spTree>
+      <p:nvGrpSpPr>
+        <p:cNvPr id="1" name=""/>
+        <p:cNvGrpSpPr/>
+        <p:nvPr/>
+      </p:nvGrpSpPr>
+      <p:grpSpPr>
+        <a:xfrm>
+          <a:off x="0" y="0"/>
+          <a:ext cx="0" cy="0"/>
+          <a:chOff x="0" y="0"/>
+          <a:chExt cx="0" cy="0"/>
+        </a:xfrm>
+      </p:grpSpPr>
+      <p:sp>
+        <p:nvSpPr>
+          <p:cNvPr id="2" name="Title 1">
+            <a:extLst>
+              <a:ext uri="{FF2B5EF4-FFF2-40B4-BE49-F238E27FC236}">
+                <a16:creationId xmlns:a16="http://schemas.microsoft.com/office/drawing/2014/main" id="{F09123D9-2B8A-48AA-97A9-D36073A350F6}"/>
+              </a:ext>
+            </a:extLst>
+          </p:cNvPr>
+          <p:cNvSpPr>
+            <a:spLocks noGrp="1"/>
+          </p:cNvSpPr>
+          <p:nvPr>
+            <p:ph type="title"/>
+          </p:nvPr>
+        </p:nvSpPr>
+        <p:spPr/>
+        <p:txBody>
+          <a:bodyPr/>
+          <a:lstStyle/>
+          <a:p>
+            <a:r>
+              <a:rPr lang="en-US" dirty="0"/>
+              <a:t>Vocabulary review</a:t>
+            </a:r>
+          </a:p>
+        </p:txBody>
+      </p:sp>
+      <mc:AlternateContent xmlns:mc="http://schemas.openxmlformats.org/markup-compatibility/2006">
+        <mc:Choice xmlns:a14="http://schemas.microsoft.com/office/drawing/2010/main" Requires="a14">
+          <p:sp>
+            <p:nvSpPr>
+              <p:cNvPr id="3" name="Content Placeholder 2">
+                <a:extLst>
+                  <a:ext uri="{FF2B5EF4-FFF2-40B4-BE49-F238E27FC236}">
+                    <a16:creationId xmlns:a16="http://schemas.microsoft.com/office/drawing/2014/main" id="{6364D9E5-ED2D-4DE4-9FB4-FA200073CA3E}"/>
+                  </a:ext>
+                </a:extLst>
+              </p:cNvPr>
+              <p:cNvSpPr>
+                <a:spLocks noGrp="1"/>
+              </p:cNvSpPr>
+              <p:nvPr>
+                <p:ph idx="1"/>
+              </p:nvPr>
+            </p:nvSpPr>
+            <p:spPr/>
+            <p:txBody>
+              <a:bodyPr>
+                <a:normAutofit fontScale="92500" lnSpcReduction="10000"/>
+              </a:bodyPr>
+              <a:lstStyle/>
+              <a:p>
+                <a:r>
+                  <a:rPr lang="en-US" dirty="0"/>
+                  <a:t>Precision – Accuracy of the true positives</a:t>
+                </a:r>
+              </a:p>
+              <a:p>
+                <a:r>
+                  <a:rPr lang="en-US" dirty="0"/>
+                  <a:t>Recall (Sensitivity, True Positive Rate (TPR)) – The ratio of positive instances correctly detected by the classifier</a:t>
+                </a:r>
+              </a:p>
+              <a:p>
+                <a14:m>
+                  <m:oMath xmlns:m="http://schemas.openxmlformats.org/officeDocument/2006/math">
+                    <m:sSub>
+                      <m:sSubPr>
+                        <m:ctrlPr>
+                          <a:rPr lang="en-US" i="1" smtClean="0">
+                            <a:latin typeface="Cambria Math" panose="02040503050406030204" pitchFamily="18" charset="0"/>
+                          </a:rPr>
+                        </m:ctrlPr>
+                      </m:sSubPr>
+                      <m:e>
+                        <m:r>
+                          <a:rPr lang="en-US" b="0" i="1" smtClean="0">
+                            <a:latin typeface="Cambria Math" panose="02040503050406030204" pitchFamily="18" charset="0"/>
+                          </a:rPr>
+                          <m:t>𝐹</m:t>
+                        </m:r>
+                      </m:e>
+                      <m:sub>
+                        <m:r>
+                          <a:rPr lang="en-US" b="0" i="1" smtClean="0">
+                            <a:latin typeface="Cambria Math" panose="02040503050406030204" pitchFamily="18" charset="0"/>
+                          </a:rPr>
+                          <m:t>1</m:t>
+                        </m:r>
+                      </m:sub>
+                    </m:sSub>
+                  </m:oMath>
+                </a14:m>
+                <a:r>
+                  <a:rPr lang="en-US" dirty="0"/>
+                  <a:t> Score – Harmonic mean of precision and recall</a:t>
+                </a:r>
+              </a:p>
+              <a:p>
+                <a:r>
+                  <a:rPr lang="en-US" dirty="0"/>
+                  <a:t>Decision Function – The function that calculates a score based on the instance (SGD Classifier uses this, but others may as well)</a:t>
+                </a:r>
+              </a:p>
+              <a:p>
+                <a:r>
+                  <a:rPr lang="en-US" dirty="0"/>
+                  <a:t>Decision Threshold – The threshold that is used to determine if the decision function score should then cause the instance to be classified as the positive or negative class</a:t>
+                </a:r>
+              </a:p>
+            </p:txBody>
+          </p:sp>
+        </mc:Choice>
+        <mc:Fallback>
+          <p:sp>
+            <p:nvSpPr>
+              <p:cNvPr id="3" name="Content Placeholder 2">
+                <a:extLst>
+                  <a:ext uri="{FF2B5EF4-FFF2-40B4-BE49-F238E27FC236}">
+                    <a16:creationId xmlns:a16="http://schemas.microsoft.com/office/drawing/2014/main" id="{6364D9E5-ED2D-4DE4-9FB4-FA200073CA3E}"/>
+                  </a:ext>
+                </a:extLst>
+              </p:cNvPr>
+              <p:cNvSpPr>
+                <a:spLocks noGrp="1" noRot="1" noChangeAspect="1" noMove="1" noResize="1" noEditPoints="1" noAdjustHandles="1" noChangeArrowheads="1" noChangeShapeType="1" noTextEdit="1"/>
+              </p:cNvSpPr>
+              <p:nvPr>
+                <p:ph idx="1"/>
+              </p:nvPr>
+            </p:nvSpPr>
+            <p:spPr>
+              <a:blipFill>
+                <a:blip r:embed="rId2"/>
+                <a:stretch>
+                  <a:fillRect l="-1600" t="-4303" r="-246" b="-5336"/>
+                </a:stretch>
+              </a:blipFill>
+            </p:spPr>
+            <p:txBody>
+              <a:bodyPr/>
+              <a:lstStyle/>
+              <a:p>
+                <a:r>
+                  <a:rPr lang="en-US">
+                    <a:noFill/>
+                  </a:rPr>
+                  <a:t> </a:t>
+                </a:r>
+              </a:p>
+            </p:txBody>
+          </p:sp>
+        </mc:Fallback>
+      </mc:AlternateContent>
+    </p:spTree>
+    <p:extLst>
+      <p:ext uri="{BB962C8B-B14F-4D97-AF65-F5344CB8AC3E}">
+        <p14:creationId xmlns:p14="http://schemas.microsoft.com/office/powerpoint/2010/main" val="2399985208"/>
+      </p:ext>
+    </p:extLst>
+  </p:cSld>
+  <p:clrMapOvr>
+    <a:masterClrMapping/>
+  </p:clrMapOvr>
+</p:sld>
+</file>
+
+<file path=ppt/slides/slide8.xml><?xml version="1.0" encoding="utf-8"?>
+<p:sld xmlns:a="http://schemas.openxmlformats.org/drawingml/2006/main" xmlns:r="http://schemas.openxmlformats.org/officeDocument/2006/relationships" xmlns:p="http://schemas.openxmlformats.org/presentationml/2006/main">
+  <p:cSld>
+    <p:spTree>
+      <p:nvGrpSpPr>
+        <p:cNvPr id="1" name=""/>
+        <p:cNvGrpSpPr/>
+        <p:nvPr/>
+      </p:nvGrpSpPr>
+      <p:grpSpPr>
+        <a:xfrm>
+          <a:off x="0" y="0"/>
+          <a:ext cx="0" cy="0"/>
+          <a:chOff x="0" y="0"/>
+          <a:chExt cx="0" cy="0"/>
+        </a:xfrm>
+      </p:grpSpPr>
+      <p:sp>
+        <p:nvSpPr>
+          <p:cNvPr id="2" name="Title 1">
+            <a:extLst>
+              <a:ext uri="{FF2B5EF4-FFF2-40B4-BE49-F238E27FC236}">
+                <a16:creationId xmlns:a16="http://schemas.microsoft.com/office/drawing/2014/main" id="{98444532-5DDF-442E-9B49-703C0421C433}"/>
+              </a:ext>
+            </a:extLst>
+          </p:cNvPr>
+          <p:cNvSpPr>
+            <a:spLocks noGrp="1"/>
+          </p:cNvSpPr>
+          <p:nvPr>
+            <p:ph type="title"/>
+          </p:nvPr>
+        </p:nvSpPr>
+        <p:spPr/>
+        <p:txBody>
+          <a:bodyPr/>
+          <a:lstStyle/>
+          <a:p>
+            <a:r>
+              <a:rPr lang="en-US" dirty="0"/>
+              <a:t>Vocabulary review</a:t>
+            </a:r>
+          </a:p>
+        </p:txBody>
+      </p:sp>
+      <p:sp>
+        <p:nvSpPr>
+          <p:cNvPr id="3" name="Content Placeholder 2">
+            <a:extLst>
+              <a:ext uri="{FF2B5EF4-FFF2-40B4-BE49-F238E27FC236}">
+                <a16:creationId xmlns:a16="http://schemas.microsoft.com/office/drawing/2014/main" id="{2040D8E2-0425-4B5F-8D99-977866049256}"/>
               </a:ext>
             </a:extLst>
           </p:cNvPr>
@@ -12955,14 +13367,143 @@
           <a:bodyPr/>
           <a:lstStyle/>
           <a:p>
-            <a:endParaRPr lang="en-US" dirty="0"/>
+            <a:r>
+              <a:rPr lang="en-US" dirty="0"/>
+              <a:t>Receiver Operating Curve (ROC) – True positive rate against false positive rate</a:t>
+            </a:r>
+          </a:p>
+          <a:p>
+            <a:r>
+              <a:rPr lang="en-US" dirty="0"/>
+              <a:t>Multiclass (Multinomial) Classifiers – Distinguish between more than two classes</a:t>
+            </a:r>
+          </a:p>
+          <a:p>
+            <a:r>
+              <a:rPr lang="en-US" dirty="0"/>
+              <a:t>One Versus All (</a:t>
+            </a:r>
+            <a:r>
+              <a:rPr lang="en-US" dirty="0" err="1"/>
+              <a:t>OvA</a:t>
+            </a:r>
+            <a:r>
+              <a:rPr lang="en-US" dirty="0"/>
+              <a:t>) (or One versus the rest) – Strategy used to convert a binary classifier into a multiclass classifier</a:t>
+            </a:r>
+          </a:p>
+          <a:p>
+            <a:r>
+              <a:rPr lang="en-US" dirty="0"/>
+              <a:t>One Versus One (</a:t>
+            </a:r>
+            <a:r>
+              <a:rPr lang="en-US" dirty="0" err="1"/>
+              <a:t>OvO</a:t>
+            </a:r>
+            <a:r>
+              <a:rPr lang="en-US" dirty="0"/>
+              <a:t>) – Strategy used to convert a binary classifier into a multiclass classifier</a:t>
+            </a:r>
           </a:p>
         </p:txBody>
       </p:sp>
     </p:spTree>
     <p:extLst>
       <p:ext uri="{BB962C8B-B14F-4D97-AF65-F5344CB8AC3E}">
-        <p14:creationId xmlns:p14="http://schemas.microsoft.com/office/powerpoint/2010/main" val="3766439604"/>
+        <p14:creationId xmlns:p14="http://schemas.microsoft.com/office/powerpoint/2010/main" val="3592207296"/>
+      </p:ext>
+    </p:extLst>
+  </p:cSld>
+  <p:clrMapOvr>
+    <a:masterClrMapping/>
+  </p:clrMapOvr>
+</p:sld>
+</file>
+
+<file path=ppt/slides/slide9.xml><?xml version="1.0" encoding="utf-8"?>
+<p:sld xmlns:a="http://schemas.openxmlformats.org/drawingml/2006/main" xmlns:r="http://schemas.openxmlformats.org/officeDocument/2006/relationships" xmlns:p="http://schemas.openxmlformats.org/presentationml/2006/main">
+  <p:cSld>
+    <p:spTree>
+      <p:nvGrpSpPr>
+        <p:cNvPr id="1" name=""/>
+        <p:cNvGrpSpPr/>
+        <p:nvPr/>
+      </p:nvGrpSpPr>
+      <p:grpSpPr>
+        <a:xfrm>
+          <a:off x="0" y="0"/>
+          <a:ext cx="0" cy="0"/>
+          <a:chOff x="0" y="0"/>
+          <a:chExt cx="0" cy="0"/>
+        </a:xfrm>
+      </p:grpSpPr>
+      <p:sp>
+        <p:nvSpPr>
+          <p:cNvPr id="2" name="Title 1">
+            <a:extLst>
+              <a:ext uri="{FF2B5EF4-FFF2-40B4-BE49-F238E27FC236}">
+                <a16:creationId xmlns:a16="http://schemas.microsoft.com/office/drawing/2014/main" id="{A0F5DF25-50FD-49E1-A178-5BCCAB94955D}"/>
+              </a:ext>
+            </a:extLst>
+          </p:cNvPr>
+          <p:cNvSpPr>
+            <a:spLocks noGrp="1"/>
+          </p:cNvSpPr>
+          <p:nvPr>
+            <p:ph type="title"/>
+          </p:nvPr>
+        </p:nvSpPr>
+        <p:spPr/>
+        <p:txBody>
+          <a:bodyPr/>
+          <a:lstStyle/>
+          <a:p>
+            <a:r>
+              <a:rPr lang="en-US" dirty="0"/>
+              <a:t>Vocabulary review</a:t>
+            </a:r>
+          </a:p>
+        </p:txBody>
+      </p:sp>
+      <p:sp>
+        <p:nvSpPr>
+          <p:cNvPr id="3" name="Content Placeholder 2">
+            <a:extLst>
+              <a:ext uri="{FF2B5EF4-FFF2-40B4-BE49-F238E27FC236}">
+                <a16:creationId xmlns:a16="http://schemas.microsoft.com/office/drawing/2014/main" id="{F3AE3941-B8C6-48DE-B371-5171508B74EC}"/>
+              </a:ext>
+            </a:extLst>
+          </p:cNvPr>
+          <p:cNvSpPr>
+            <a:spLocks noGrp="1"/>
+          </p:cNvSpPr>
+          <p:nvPr>
+            <p:ph idx="1"/>
+          </p:nvPr>
+        </p:nvSpPr>
+        <p:spPr/>
+        <p:txBody>
+          <a:bodyPr/>
+          <a:lstStyle/>
+          <a:p>
+            <a:r>
+              <a:rPr lang="en-US" dirty="0"/>
+              <a:t>Multilabel classification – Predictions are more than one label per instance</a:t>
+            </a:r>
+          </a:p>
+          <a:p>
+            <a:r>
+              <a:rPr lang="en-US" dirty="0"/>
+              <a:t>Multioutput multiclass classification (multioutput classification) – Generalization of multilabel classification where each label can have multiple classes</a:t>
+            </a:r>
+          </a:p>
+        </p:txBody>
+      </p:sp>
+    </p:spTree>
+    <p:extLst>
+      <p:ext uri="{BB962C8B-B14F-4D97-AF65-F5344CB8AC3E}">
+        <p14:creationId xmlns:p14="http://schemas.microsoft.com/office/powerpoint/2010/main" val="3447969629"/>
       </p:ext>
     </p:extLst>
   </p:cSld>
